--- a/Lecture/Exploratory Data Analysis 1/Exploratory_Data_Analysis_1_Lecture.pptx
+++ b/Lecture/Exploratory Data Analysis 1/Exploratory_Data_Analysis_1_Lecture.pptx
@@ -230,6 +230,3120 @@
 </p:cmLst>
 </file>
 
+<file path=ppt/diagrams/colors1.xml><?xml version="1.0" encoding="utf-8"?>
+<dgm:colorsDef xmlns:dgm="http://schemas.openxmlformats.org/drawingml/2006/diagram" xmlns:a="http://schemas.openxmlformats.org/drawingml/2006/main" uniqueId="urn:microsoft.com/office/officeart/2005/8/colors/accent0_1">
+  <dgm:title val=""/>
+  <dgm:desc val=""/>
+  <dgm:catLst>
+    <dgm:cat type="mainScheme" pri="10100"/>
+  </dgm:catLst>
+  <dgm:styleLbl name="node0">
+    <dgm:fillClrLst meth="repeat">
+      <a:schemeClr val="lt1"/>
+    </dgm:fillClrLst>
+    <dgm:linClrLst meth="repeat">
+      <a:schemeClr val="dk1">
+        <a:shade val="80000"/>
+      </a:schemeClr>
+    </dgm:linClrLst>
+    <dgm:effectClrLst/>
+    <dgm:txLinClrLst/>
+    <dgm:txFillClrLst meth="repeat">
+      <a:schemeClr val="dk1"/>
+    </dgm:txFillClrLst>
+    <dgm:txEffectClrLst/>
+  </dgm:styleLbl>
+  <dgm:styleLbl name="node1">
+    <dgm:fillClrLst meth="repeat">
+      <a:schemeClr val="lt1"/>
+    </dgm:fillClrLst>
+    <dgm:linClrLst meth="repeat">
+      <a:schemeClr val="dk1">
+        <a:shade val="80000"/>
+      </a:schemeClr>
+    </dgm:linClrLst>
+    <dgm:effectClrLst/>
+    <dgm:txLinClrLst/>
+    <dgm:txFillClrLst meth="repeat">
+      <a:schemeClr val="dk1"/>
+    </dgm:txFillClrLst>
+    <dgm:txEffectClrLst/>
+  </dgm:styleLbl>
+  <dgm:styleLbl name="alignNode1">
+    <dgm:fillClrLst meth="repeat">
+      <a:schemeClr val="lt1"/>
+    </dgm:fillClrLst>
+    <dgm:linClrLst meth="repeat">
+      <a:schemeClr val="dk1">
+        <a:shade val="80000"/>
+      </a:schemeClr>
+    </dgm:linClrLst>
+    <dgm:effectClrLst/>
+    <dgm:txLinClrLst/>
+    <dgm:txFillClrLst meth="repeat">
+      <a:schemeClr val="dk1"/>
+    </dgm:txFillClrLst>
+    <dgm:txEffectClrLst/>
+  </dgm:styleLbl>
+  <dgm:styleLbl name="lnNode1">
+    <dgm:fillClrLst meth="repeat">
+      <a:schemeClr val="lt1"/>
+    </dgm:fillClrLst>
+    <dgm:linClrLst meth="repeat">
+      <a:schemeClr val="dk1">
+        <a:shade val="80000"/>
+      </a:schemeClr>
+    </dgm:linClrLst>
+    <dgm:effectClrLst/>
+    <dgm:txLinClrLst/>
+    <dgm:txFillClrLst meth="repeat">
+      <a:schemeClr val="dk1"/>
+    </dgm:txFillClrLst>
+    <dgm:txEffectClrLst/>
+  </dgm:styleLbl>
+  <dgm:styleLbl name="vennNode1">
+    <dgm:fillClrLst meth="repeat">
+      <a:schemeClr val="lt1">
+        <a:alpha val="50000"/>
+      </a:schemeClr>
+    </dgm:fillClrLst>
+    <dgm:linClrLst meth="repeat">
+      <a:schemeClr val="dk1">
+        <a:shade val="80000"/>
+      </a:schemeClr>
+    </dgm:linClrLst>
+    <dgm:effectClrLst/>
+    <dgm:txLinClrLst/>
+    <dgm:txFillClrLst/>
+    <dgm:txEffectClrLst/>
+  </dgm:styleLbl>
+  <dgm:styleLbl name="node2">
+    <dgm:fillClrLst meth="repeat">
+      <a:schemeClr val="lt1"/>
+    </dgm:fillClrLst>
+    <dgm:linClrLst meth="repeat">
+      <a:schemeClr val="dk1">
+        <a:shade val="80000"/>
+      </a:schemeClr>
+    </dgm:linClrLst>
+    <dgm:effectClrLst/>
+    <dgm:txLinClrLst/>
+    <dgm:txFillClrLst meth="repeat">
+      <a:schemeClr val="dk1"/>
+    </dgm:txFillClrLst>
+    <dgm:txEffectClrLst/>
+  </dgm:styleLbl>
+  <dgm:styleLbl name="node3">
+    <dgm:fillClrLst meth="repeat">
+      <a:schemeClr val="lt1"/>
+    </dgm:fillClrLst>
+    <dgm:linClrLst meth="repeat">
+      <a:schemeClr val="dk1">
+        <a:shade val="80000"/>
+      </a:schemeClr>
+    </dgm:linClrLst>
+    <dgm:effectClrLst/>
+    <dgm:txLinClrLst/>
+    <dgm:txFillClrLst meth="repeat">
+      <a:schemeClr val="dk1"/>
+    </dgm:txFillClrLst>
+    <dgm:txEffectClrLst/>
+  </dgm:styleLbl>
+  <dgm:styleLbl name="node4">
+    <dgm:fillClrLst meth="repeat">
+      <a:schemeClr val="lt1"/>
+    </dgm:fillClrLst>
+    <dgm:linClrLst meth="repeat">
+      <a:schemeClr val="dk1">
+        <a:shade val="80000"/>
+      </a:schemeClr>
+    </dgm:linClrLst>
+    <dgm:effectClrLst/>
+    <dgm:txLinClrLst/>
+    <dgm:txFillClrLst meth="repeat">
+      <a:schemeClr val="dk1"/>
+    </dgm:txFillClrLst>
+    <dgm:txEffectClrLst/>
+  </dgm:styleLbl>
+  <dgm:styleLbl name="fgImgPlace1">
+    <dgm:fillClrLst meth="repeat">
+      <a:schemeClr val="dk1">
+        <a:tint val="40000"/>
+      </a:schemeClr>
+    </dgm:fillClrLst>
+    <dgm:linClrLst meth="repeat">
+      <a:schemeClr val="dk1">
+        <a:shade val="80000"/>
+      </a:schemeClr>
+    </dgm:linClrLst>
+    <dgm:effectClrLst/>
+    <dgm:txLinClrLst/>
+    <dgm:txFillClrLst meth="repeat">
+      <a:schemeClr val="lt1"/>
+    </dgm:txFillClrLst>
+    <dgm:txEffectClrLst/>
+  </dgm:styleLbl>
+  <dgm:styleLbl name="alignImgPlace1">
+    <dgm:fillClrLst meth="repeat">
+      <a:schemeClr val="dk1">
+        <a:tint val="40000"/>
+      </a:schemeClr>
+    </dgm:fillClrLst>
+    <dgm:linClrLst meth="repeat">
+      <a:schemeClr val="dk1">
+        <a:shade val="80000"/>
+      </a:schemeClr>
+    </dgm:linClrLst>
+    <dgm:effectClrLst/>
+    <dgm:txLinClrLst/>
+    <dgm:txFillClrLst meth="repeat">
+      <a:schemeClr val="lt1"/>
+    </dgm:txFillClrLst>
+    <dgm:txEffectClrLst/>
+  </dgm:styleLbl>
+  <dgm:styleLbl name="bgImgPlace1">
+    <dgm:fillClrLst meth="repeat">
+      <a:schemeClr val="dk1">
+        <a:tint val="40000"/>
+      </a:schemeClr>
+    </dgm:fillClrLst>
+    <dgm:linClrLst meth="repeat">
+      <a:schemeClr val="dk1">
+        <a:shade val="80000"/>
+      </a:schemeClr>
+    </dgm:linClrLst>
+    <dgm:effectClrLst/>
+    <dgm:txLinClrLst/>
+    <dgm:txFillClrLst meth="repeat">
+      <a:schemeClr val="lt1"/>
+    </dgm:txFillClrLst>
+    <dgm:txEffectClrLst/>
+  </dgm:styleLbl>
+  <dgm:styleLbl name="sibTrans2D1">
+    <dgm:fillClrLst meth="repeat">
+      <a:schemeClr val="dk1">
+        <a:tint val="60000"/>
+      </a:schemeClr>
+    </dgm:fillClrLst>
+    <dgm:linClrLst meth="repeat">
+      <a:schemeClr val="dk1">
+        <a:tint val="60000"/>
+      </a:schemeClr>
+    </dgm:linClrLst>
+    <dgm:effectClrLst/>
+    <dgm:txLinClrLst/>
+    <dgm:txFillClrLst meth="repeat">
+      <a:schemeClr val="dk1"/>
+    </dgm:txFillClrLst>
+    <dgm:txEffectClrLst/>
+  </dgm:styleLbl>
+  <dgm:styleLbl name="fgSibTrans2D1">
+    <dgm:fillClrLst meth="repeat">
+      <a:schemeClr val="dk1">
+        <a:tint val="60000"/>
+      </a:schemeClr>
+    </dgm:fillClrLst>
+    <dgm:linClrLst meth="repeat">
+      <a:schemeClr val="dk1">
+        <a:tint val="60000"/>
+      </a:schemeClr>
+    </dgm:linClrLst>
+    <dgm:effectClrLst/>
+    <dgm:txLinClrLst/>
+    <dgm:txFillClrLst meth="repeat">
+      <a:schemeClr val="dk1"/>
+    </dgm:txFillClrLst>
+    <dgm:txEffectClrLst/>
+  </dgm:styleLbl>
+  <dgm:styleLbl name="bgSibTrans2D1">
+    <dgm:fillClrLst meth="repeat">
+      <a:schemeClr val="dk1">
+        <a:tint val="60000"/>
+      </a:schemeClr>
+    </dgm:fillClrLst>
+    <dgm:linClrLst meth="repeat">
+      <a:schemeClr val="dk1">
+        <a:tint val="60000"/>
+      </a:schemeClr>
+    </dgm:linClrLst>
+    <dgm:effectClrLst/>
+    <dgm:txLinClrLst/>
+    <dgm:txFillClrLst meth="repeat">
+      <a:schemeClr val="dk1"/>
+    </dgm:txFillClrLst>
+    <dgm:txEffectClrLst/>
+  </dgm:styleLbl>
+  <dgm:styleLbl name="sibTrans1D1">
+    <dgm:fillClrLst meth="repeat">
+      <a:schemeClr val="dk1"/>
+    </dgm:fillClrLst>
+    <dgm:linClrLst meth="repeat">
+      <a:schemeClr val="dk1"/>
+    </dgm:linClrLst>
+    <dgm:effectClrLst/>
+    <dgm:txLinClrLst/>
+    <dgm:txFillClrLst meth="repeat">
+      <a:schemeClr val="tx1"/>
+    </dgm:txFillClrLst>
+    <dgm:txEffectClrLst/>
+  </dgm:styleLbl>
+  <dgm:styleLbl name="callout">
+    <dgm:fillClrLst meth="repeat">
+      <a:schemeClr val="dk1"/>
+    </dgm:fillClrLst>
+    <dgm:linClrLst meth="repeat">
+      <a:schemeClr val="dk1"/>
+    </dgm:linClrLst>
+    <dgm:effectClrLst/>
+    <dgm:txLinClrLst/>
+    <dgm:txFillClrLst meth="repeat">
+      <a:schemeClr val="tx1"/>
+    </dgm:txFillClrLst>
+    <dgm:txEffectClrLst/>
+  </dgm:styleLbl>
+  <dgm:styleLbl name="asst0">
+    <dgm:fillClrLst meth="repeat">
+      <a:schemeClr val="lt1"/>
+    </dgm:fillClrLst>
+    <dgm:linClrLst meth="repeat">
+      <a:schemeClr val="dk1">
+        <a:shade val="80000"/>
+      </a:schemeClr>
+    </dgm:linClrLst>
+    <dgm:effectClrLst/>
+    <dgm:txLinClrLst/>
+    <dgm:txFillClrLst meth="repeat">
+      <a:schemeClr val="dk1"/>
+    </dgm:txFillClrLst>
+    <dgm:txEffectClrLst/>
+  </dgm:styleLbl>
+  <dgm:styleLbl name="asst1">
+    <dgm:fillClrLst meth="repeat">
+      <a:schemeClr val="lt1"/>
+    </dgm:fillClrLst>
+    <dgm:linClrLst meth="repeat">
+      <a:schemeClr val="dk1">
+        <a:shade val="80000"/>
+      </a:schemeClr>
+    </dgm:linClrLst>
+    <dgm:effectClrLst/>
+    <dgm:txLinClrLst/>
+    <dgm:txFillClrLst meth="repeat">
+      <a:schemeClr val="dk1"/>
+    </dgm:txFillClrLst>
+    <dgm:txEffectClrLst/>
+  </dgm:styleLbl>
+  <dgm:styleLbl name="asst2">
+    <dgm:fillClrLst meth="repeat">
+      <a:schemeClr val="lt1"/>
+    </dgm:fillClrLst>
+    <dgm:linClrLst meth="repeat">
+      <a:schemeClr val="dk1">
+        <a:shade val="80000"/>
+      </a:schemeClr>
+    </dgm:linClrLst>
+    <dgm:effectClrLst/>
+    <dgm:txLinClrLst/>
+    <dgm:txFillClrLst meth="repeat">
+      <a:schemeClr val="dk1"/>
+    </dgm:txFillClrLst>
+    <dgm:txEffectClrLst/>
+  </dgm:styleLbl>
+  <dgm:styleLbl name="asst3">
+    <dgm:fillClrLst meth="repeat">
+      <a:schemeClr val="lt1"/>
+    </dgm:fillClrLst>
+    <dgm:linClrLst meth="repeat">
+      <a:schemeClr val="dk1">
+        <a:shade val="80000"/>
+      </a:schemeClr>
+    </dgm:linClrLst>
+    <dgm:effectClrLst/>
+    <dgm:txLinClrLst/>
+    <dgm:txFillClrLst meth="repeat">
+      <a:schemeClr val="dk1"/>
+    </dgm:txFillClrLst>
+    <dgm:txEffectClrLst/>
+  </dgm:styleLbl>
+  <dgm:styleLbl name="asst4">
+    <dgm:fillClrLst meth="repeat">
+      <a:schemeClr val="lt1"/>
+    </dgm:fillClrLst>
+    <dgm:linClrLst meth="repeat">
+      <a:schemeClr val="dk1">
+        <a:shade val="80000"/>
+      </a:schemeClr>
+    </dgm:linClrLst>
+    <dgm:effectClrLst/>
+    <dgm:txLinClrLst/>
+    <dgm:txFillClrLst meth="repeat">
+      <a:schemeClr val="dk1"/>
+    </dgm:txFillClrLst>
+    <dgm:txEffectClrLst/>
+  </dgm:styleLbl>
+  <dgm:styleLbl name="parChTrans2D1">
+    <dgm:fillClrLst meth="repeat">
+      <a:schemeClr val="dk1">
+        <a:tint val="60000"/>
+      </a:schemeClr>
+    </dgm:fillClrLst>
+    <dgm:linClrLst meth="repeat">
+      <a:schemeClr val="dk1">
+        <a:tint val="60000"/>
+      </a:schemeClr>
+    </dgm:linClrLst>
+    <dgm:effectClrLst/>
+    <dgm:txLinClrLst/>
+    <dgm:txFillClrLst/>
+    <dgm:txEffectClrLst/>
+  </dgm:styleLbl>
+  <dgm:styleLbl name="parChTrans2D2">
+    <dgm:fillClrLst meth="repeat">
+      <a:schemeClr val="dk1"/>
+    </dgm:fillClrLst>
+    <dgm:linClrLst meth="repeat">
+      <a:schemeClr val="dk1"/>
+    </dgm:linClrLst>
+    <dgm:effectClrLst/>
+    <dgm:txLinClrLst/>
+    <dgm:txFillClrLst/>
+    <dgm:txEffectClrLst/>
+  </dgm:styleLbl>
+  <dgm:styleLbl name="parChTrans2D3">
+    <dgm:fillClrLst meth="repeat">
+      <a:schemeClr val="dk1"/>
+    </dgm:fillClrLst>
+    <dgm:linClrLst meth="repeat">
+      <a:schemeClr val="dk1"/>
+    </dgm:linClrLst>
+    <dgm:effectClrLst/>
+    <dgm:txLinClrLst/>
+    <dgm:txFillClrLst/>
+    <dgm:txEffectClrLst/>
+  </dgm:styleLbl>
+  <dgm:styleLbl name="parChTrans2D4">
+    <dgm:fillClrLst meth="repeat">
+      <a:schemeClr val="dk1"/>
+    </dgm:fillClrLst>
+    <dgm:linClrLst meth="repeat">
+      <a:schemeClr val="dk1"/>
+    </dgm:linClrLst>
+    <dgm:effectClrLst/>
+    <dgm:txLinClrLst/>
+    <dgm:txFillClrLst meth="repeat">
+      <a:schemeClr val="lt1"/>
+    </dgm:txFillClrLst>
+    <dgm:txEffectClrLst/>
+  </dgm:styleLbl>
+  <dgm:styleLbl name="parChTrans1D1">
+    <dgm:fillClrLst meth="repeat">
+      <a:schemeClr val="dk1"/>
+    </dgm:fillClrLst>
+    <dgm:linClrLst meth="repeat">
+      <a:schemeClr val="dk1">
+        <a:shade val="60000"/>
+      </a:schemeClr>
+    </dgm:linClrLst>
+    <dgm:effectClrLst/>
+    <dgm:txLinClrLst/>
+    <dgm:txFillClrLst meth="repeat">
+      <a:schemeClr val="tx1"/>
+    </dgm:txFillClrLst>
+    <dgm:txEffectClrLst/>
+  </dgm:styleLbl>
+  <dgm:styleLbl name="parChTrans1D2">
+    <dgm:fillClrLst meth="repeat">
+      <a:schemeClr val="dk1"/>
+    </dgm:fillClrLst>
+    <dgm:linClrLst meth="repeat">
+      <a:schemeClr val="dk1">
+        <a:shade val="60000"/>
+      </a:schemeClr>
+    </dgm:linClrLst>
+    <dgm:effectClrLst/>
+    <dgm:txLinClrLst/>
+    <dgm:txFillClrLst meth="repeat">
+      <a:schemeClr val="tx1"/>
+    </dgm:txFillClrLst>
+    <dgm:txEffectClrLst/>
+  </dgm:styleLbl>
+  <dgm:styleLbl name="parChTrans1D3">
+    <dgm:fillClrLst meth="repeat">
+      <a:schemeClr val="dk1"/>
+    </dgm:fillClrLst>
+    <dgm:linClrLst meth="repeat">
+      <a:schemeClr val="dk1">
+        <a:shade val="80000"/>
+      </a:schemeClr>
+    </dgm:linClrLst>
+    <dgm:effectClrLst/>
+    <dgm:txLinClrLst/>
+    <dgm:txFillClrLst meth="repeat">
+      <a:schemeClr val="tx1"/>
+    </dgm:txFillClrLst>
+    <dgm:txEffectClrLst/>
+  </dgm:styleLbl>
+  <dgm:styleLbl name="parChTrans1D4">
+    <dgm:fillClrLst meth="repeat">
+      <a:schemeClr val="dk1"/>
+    </dgm:fillClrLst>
+    <dgm:linClrLst meth="repeat">
+      <a:schemeClr val="dk1">
+        <a:shade val="80000"/>
+      </a:schemeClr>
+    </dgm:linClrLst>
+    <dgm:effectClrLst/>
+    <dgm:txLinClrLst/>
+    <dgm:txFillClrLst meth="repeat">
+      <a:schemeClr val="tx1"/>
+    </dgm:txFillClrLst>
+    <dgm:txEffectClrLst/>
+  </dgm:styleLbl>
+  <dgm:styleLbl name="fgAcc1">
+    <dgm:fillClrLst meth="repeat">
+      <a:schemeClr val="dk1">
+        <a:alpha val="90000"/>
+        <a:tint val="40000"/>
+      </a:schemeClr>
+    </dgm:fillClrLst>
+    <dgm:linClrLst meth="repeat">
+      <a:schemeClr val="dk1"/>
+    </dgm:linClrLst>
+    <dgm:effectClrLst/>
+    <dgm:txLinClrLst/>
+    <dgm:txFillClrLst meth="repeat">
+      <a:schemeClr val="dk1"/>
+    </dgm:txFillClrLst>
+    <dgm:txEffectClrLst/>
+  </dgm:styleLbl>
+  <dgm:styleLbl name="conFgAcc1">
+    <dgm:fillClrLst meth="repeat">
+      <a:schemeClr val="dk1">
+        <a:alpha val="90000"/>
+        <a:tint val="40000"/>
+      </a:schemeClr>
+    </dgm:fillClrLst>
+    <dgm:linClrLst meth="repeat">
+      <a:schemeClr val="dk1"/>
+    </dgm:linClrLst>
+    <dgm:effectClrLst/>
+    <dgm:txLinClrLst/>
+    <dgm:txFillClrLst meth="repeat">
+      <a:schemeClr val="dk1"/>
+    </dgm:txFillClrLst>
+    <dgm:txEffectClrLst/>
+  </dgm:styleLbl>
+  <dgm:styleLbl name="alignAcc1">
+    <dgm:fillClrLst meth="repeat">
+      <a:schemeClr val="dk1">
+        <a:alpha val="90000"/>
+        <a:tint val="40000"/>
+      </a:schemeClr>
+    </dgm:fillClrLst>
+    <dgm:linClrLst meth="repeat">
+      <a:schemeClr val="dk1"/>
+    </dgm:linClrLst>
+    <dgm:effectClrLst/>
+    <dgm:txLinClrLst/>
+    <dgm:txFillClrLst meth="repeat">
+      <a:schemeClr val="dk1"/>
+    </dgm:txFillClrLst>
+    <dgm:txEffectClrLst/>
+  </dgm:styleLbl>
+  <dgm:styleLbl name="trAlignAcc1">
+    <dgm:fillClrLst meth="repeat">
+      <a:schemeClr val="dk1">
+        <a:alpha val="40000"/>
+        <a:tint val="40000"/>
+      </a:schemeClr>
+    </dgm:fillClrLst>
+    <dgm:linClrLst meth="repeat">
+      <a:schemeClr val="dk1"/>
+    </dgm:linClrLst>
+    <dgm:effectClrLst/>
+    <dgm:txLinClrLst/>
+    <dgm:txFillClrLst meth="repeat">
+      <a:schemeClr val="dk1"/>
+    </dgm:txFillClrLst>
+    <dgm:txEffectClrLst/>
+  </dgm:styleLbl>
+  <dgm:styleLbl name="bgAcc1">
+    <dgm:fillClrLst meth="repeat">
+      <a:schemeClr val="dk1">
+        <a:alpha val="90000"/>
+        <a:tint val="40000"/>
+      </a:schemeClr>
+    </dgm:fillClrLst>
+    <dgm:linClrLst meth="repeat">
+      <a:schemeClr val="dk1"/>
+    </dgm:linClrLst>
+    <dgm:effectClrLst/>
+    <dgm:txLinClrLst/>
+    <dgm:txFillClrLst meth="repeat">
+      <a:schemeClr val="dk1"/>
+    </dgm:txFillClrLst>
+    <dgm:txEffectClrLst/>
+  </dgm:styleLbl>
+  <dgm:styleLbl name="solidFgAcc1">
+    <dgm:fillClrLst meth="repeat">
+      <a:schemeClr val="lt1"/>
+    </dgm:fillClrLst>
+    <dgm:linClrLst meth="repeat">
+      <a:schemeClr val="dk1"/>
+    </dgm:linClrLst>
+    <dgm:effectClrLst/>
+    <dgm:txLinClrLst/>
+    <dgm:txFillClrLst meth="repeat">
+      <a:schemeClr val="dk1"/>
+    </dgm:txFillClrLst>
+    <dgm:txEffectClrLst/>
+  </dgm:styleLbl>
+  <dgm:styleLbl name="solidAlignAcc1">
+    <dgm:fillClrLst meth="repeat">
+      <a:schemeClr val="lt1"/>
+    </dgm:fillClrLst>
+    <dgm:linClrLst meth="repeat">
+      <a:schemeClr val="dk1"/>
+    </dgm:linClrLst>
+    <dgm:effectClrLst/>
+    <dgm:txLinClrLst/>
+    <dgm:txFillClrLst meth="repeat">
+      <a:schemeClr val="dk1"/>
+    </dgm:txFillClrLst>
+    <dgm:txEffectClrLst/>
+  </dgm:styleLbl>
+  <dgm:styleLbl name="solidBgAcc1">
+    <dgm:fillClrLst meth="repeat">
+      <a:schemeClr val="lt1"/>
+    </dgm:fillClrLst>
+    <dgm:linClrLst meth="repeat">
+      <a:schemeClr val="dk1"/>
+    </dgm:linClrLst>
+    <dgm:effectClrLst/>
+    <dgm:txLinClrLst/>
+    <dgm:txFillClrLst meth="repeat">
+      <a:schemeClr val="dk1"/>
+    </dgm:txFillClrLst>
+    <dgm:txEffectClrLst/>
+  </dgm:styleLbl>
+  <dgm:styleLbl name="fgAccFollowNode1">
+    <dgm:fillClrLst meth="repeat">
+      <a:schemeClr val="lt1">
+        <a:alpha val="90000"/>
+        <a:tint val="40000"/>
+      </a:schemeClr>
+    </dgm:fillClrLst>
+    <dgm:linClrLst meth="repeat">
+      <a:schemeClr val="dk1">
+        <a:alpha val="90000"/>
+      </a:schemeClr>
+    </dgm:linClrLst>
+    <dgm:effectClrLst/>
+    <dgm:txLinClrLst/>
+    <dgm:txFillClrLst meth="repeat">
+      <a:schemeClr val="dk1"/>
+    </dgm:txFillClrLst>
+    <dgm:txEffectClrLst/>
+  </dgm:styleLbl>
+  <dgm:styleLbl name="alignAccFollowNode1">
+    <dgm:fillClrLst meth="repeat">
+      <a:schemeClr val="lt1">
+        <a:alpha val="90000"/>
+        <a:tint val="40000"/>
+      </a:schemeClr>
+    </dgm:fillClrLst>
+    <dgm:linClrLst meth="repeat">
+      <a:schemeClr val="dk1">
+        <a:alpha val="90000"/>
+      </a:schemeClr>
+    </dgm:linClrLst>
+    <dgm:effectClrLst/>
+    <dgm:txLinClrLst/>
+    <dgm:txFillClrLst meth="repeat">
+      <a:schemeClr val="dk1"/>
+    </dgm:txFillClrLst>
+    <dgm:txEffectClrLst/>
+  </dgm:styleLbl>
+  <dgm:styleLbl name="bgAccFollowNode1">
+    <dgm:fillClrLst meth="repeat">
+      <a:schemeClr val="lt1">
+        <a:alpha val="90000"/>
+        <a:tint val="40000"/>
+      </a:schemeClr>
+    </dgm:fillClrLst>
+    <dgm:linClrLst meth="repeat">
+      <a:schemeClr val="dk1">
+        <a:alpha val="90000"/>
+      </a:schemeClr>
+    </dgm:linClrLst>
+    <dgm:effectClrLst/>
+    <dgm:txLinClrLst/>
+    <dgm:txFillClrLst meth="repeat">
+      <a:schemeClr val="dk1"/>
+    </dgm:txFillClrLst>
+    <dgm:txEffectClrLst/>
+  </dgm:styleLbl>
+  <dgm:styleLbl name="fgAcc0">
+    <dgm:fillClrLst meth="repeat">
+      <a:schemeClr val="dk1">
+        <a:alpha val="90000"/>
+        <a:tint val="40000"/>
+      </a:schemeClr>
+    </dgm:fillClrLst>
+    <dgm:linClrLst meth="repeat">
+      <a:schemeClr val="dk1"/>
+    </dgm:linClrLst>
+    <dgm:effectClrLst/>
+    <dgm:txLinClrLst/>
+    <dgm:txFillClrLst meth="repeat">
+      <a:schemeClr val="dk1"/>
+    </dgm:txFillClrLst>
+    <dgm:txEffectClrLst/>
+  </dgm:styleLbl>
+  <dgm:styleLbl name="fgAcc2">
+    <dgm:fillClrLst meth="repeat">
+      <a:schemeClr val="dk1">
+        <a:alpha val="90000"/>
+        <a:tint val="40000"/>
+      </a:schemeClr>
+    </dgm:fillClrLst>
+    <dgm:linClrLst meth="repeat">
+      <a:schemeClr val="dk1"/>
+    </dgm:linClrLst>
+    <dgm:effectClrLst/>
+    <dgm:txLinClrLst/>
+    <dgm:txFillClrLst meth="repeat">
+      <a:schemeClr val="dk1"/>
+    </dgm:txFillClrLst>
+    <dgm:txEffectClrLst/>
+  </dgm:styleLbl>
+  <dgm:styleLbl name="fgAcc3">
+    <dgm:fillClrLst meth="repeat">
+      <a:schemeClr val="dk1">
+        <a:alpha val="90000"/>
+        <a:tint val="40000"/>
+      </a:schemeClr>
+    </dgm:fillClrLst>
+    <dgm:linClrLst meth="repeat">
+      <a:schemeClr val="dk1"/>
+    </dgm:linClrLst>
+    <dgm:effectClrLst/>
+    <dgm:txLinClrLst/>
+    <dgm:txFillClrLst meth="repeat">
+      <a:schemeClr val="dk1"/>
+    </dgm:txFillClrLst>
+    <dgm:txEffectClrLst/>
+  </dgm:styleLbl>
+  <dgm:styleLbl name="fgAcc4">
+    <dgm:fillClrLst meth="repeat">
+      <a:schemeClr val="dk1">
+        <a:alpha val="90000"/>
+        <a:tint val="40000"/>
+      </a:schemeClr>
+    </dgm:fillClrLst>
+    <dgm:linClrLst meth="repeat">
+      <a:schemeClr val="dk1"/>
+    </dgm:linClrLst>
+    <dgm:effectClrLst/>
+    <dgm:txLinClrLst/>
+    <dgm:txFillClrLst meth="repeat">
+      <a:schemeClr val="dk1"/>
+    </dgm:txFillClrLst>
+    <dgm:txEffectClrLst/>
+  </dgm:styleLbl>
+  <dgm:styleLbl name="bgShp">
+    <dgm:fillClrLst meth="repeat">
+      <a:schemeClr val="dk1">
+        <a:tint val="40000"/>
+      </a:schemeClr>
+    </dgm:fillClrLst>
+    <dgm:linClrLst meth="repeat">
+      <a:schemeClr val="dk1"/>
+    </dgm:linClrLst>
+    <dgm:effectClrLst/>
+    <dgm:txLinClrLst/>
+    <dgm:txFillClrLst meth="repeat">
+      <a:schemeClr val="dk1"/>
+    </dgm:txFillClrLst>
+    <dgm:txEffectClrLst/>
+  </dgm:styleLbl>
+  <dgm:styleLbl name="dkBgShp">
+    <dgm:fillClrLst meth="repeat">
+      <a:schemeClr val="dk1">
+        <a:shade val="80000"/>
+      </a:schemeClr>
+    </dgm:fillClrLst>
+    <dgm:linClrLst meth="repeat">
+      <a:schemeClr val="dk1"/>
+    </dgm:linClrLst>
+    <dgm:effectClrLst/>
+    <dgm:txLinClrLst/>
+    <dgm:txFillClrLst meth="repeat">
+      <a:schemeClr val="lt1"/>
+    </dgm:txFillClrLst>
+    <dgm:txEffectClrLst/>
+  </dgm:styleLbl>
+  <dgm:styleLbl name="trBgShp">
+    <dgm:fillClrLst meth="repeat">
+      <a:schemeClr val="dk1">
+        <a:tint val="50000"/>
+        <a:alpha val="40000"/>
+      </a:schemeClr>
+    </dgm:fillClrLst>
+    <dgm:linClrLst meth="repeat">
+      <a:schemeClr val="dk1"/>
+    </dgm:linClrLst>
+    <dgm:effectClrLst/>
+    <dgm:txLinClrLst/>
+    <dgm:txFillClrLst meth="repeat">
+      <a:schemeClr val="lt1"/>
+    </dgm:txFillClrLst>
+    <dgm:txEffectClrLst/>
+  </dgm:styleLbl>
+  <dgm:styleLbl name="fgShp">
+    <dgm:fillClrLst meth="repeat">
+      <a:schemeClr val="dk1">
+        <a:tint val="60000"/>
+      </a:schemeClr>
+    </dgm:fillClrLst>
+    <dgm:linClrLst meth="repeat">
+      <a:schemeClr val="lt1"/>
+    </dgm:linClrLst>
+    <dgm:effectClrLst/>
+    <dgm:txLinClrLst/>
+    <dgm:txFillClrLst meth="repeat">
+      <a:schemeClr val="dk1"/>
+    </dgm:txFillClrLst>
+    <dgm:txEffectClrLst/>
+  </dgm:styleLbl>
+  <dgm:styleLbl name="revTx">
+    <dgm:fillClrLst meth="repeat">
+      <a:schemeClr val="lt1">
+        <a:alpha val="0"/>
+      </a:schemeClr>
+    </dgm:fillClrLst>
+    <dgm:linClrLst meth="repeat">
+      <a:schemeClr val="dk1">
+        <a:alpha val="0"/>
+      </a:schemeClr>
+    </dgm:linClrLst>
+    <dgm:effectClrLst/>
+    <dgm:txLinClrLst/>
+    <dgm:txFillClrLst meth="repeat">
+      <a:schemeClr val="tx1"/>
+    </dgm:txFillClrLst>
+    <dgm:txEffectClrLst/>
+  </dgm:styleLbl>
+</dgm:colorsDef>
+</file>
+
+<file path=ppt/diagrams/data1.xml><?xml version="1.0" encoding="utf-8"?>
+<dgm:dataModel xmlns:dgm="http://schemas.openxmlformats.org/drawingml/2006/diagram" xmlns:a="http://schemas.openxmlformats.org/drawingml/2006/main">
+  <dgm:ptLst>
+    <dgm:pt modelId="{4BE7045F-ECBD-4B6D-B8D7-DFEEDA811169}" type="doc">
+      <dgm:prSet loTypeId="urn:microsoft.com/office/officeart/2005/8/layout/cycle5" loCatId="cycle" qsTypeId="urn:microsoft.com/office/officeart/2005/8/quickstyle/3d3" qsCatId="3D" csTypeId="urn:microsoft.com/office/officeart/2005/8/colors/accent0_1" csCatId="mainScheme" phldr="1"/>
+      <dgm:spPr/>
+      <dgm:t>
+        <a:bodyPr/>
+        <a:lstStyle/>
+        <a:p>
+          <a:endParaRPr lang="en-US"/>
+        </a:p>
+      </dgm:t>
+    </dgm:pt>
+    <dgm:pt modelId="{EC76C363-DB48-41CD-AF48-90CDF3520567}">
+      <dgm:prSet phldrT="[Text]" phldr="0"/>
+      <dgm:spPr/>
+      <dgm:t>
+        <a:bodyPr/>
+        <a:lstStyle/>
+        <a:p>
+          <a:r>
+            <a:rPr lang="en-US" dirty="0"/>
+            <a:t>Questions</a:t>
+          </a:r>
+        </a:p>
+        <a:p>
+          <a:r>
+            <a:rPr lang="en-US" dirty="0"/>
+            <a:t>About Data</a:t>
+          </a:r>
+        </a:p>
+      </dgm:t>
+    </dgm:pt>
+    <dgm:pt modelId="{06819629-0AA3-4986-8FE1-2FE66C187F8C}" type="parTrans" cxnId="{8F663050-3B43-4C29-9776-A68FC411F330}">
+      <dgm:prSet/>
+      <dgm:spPr/>
+      <dgm:t>
+        <a:bodyPr/>
+        <a:lstStyle/>
+        <a:p>
+          <a:endParaRPr lang="en-US"/>
+        </a:p>
+      </dgm:t>
+    </dgm:pt>
+    <dgm:pt modelId="{906DD7A4-FDE5-476E-8A57-78B882DF3A46}" type="sibTrans" cxnId="{8F663050-3B43-4C29-9776-A68FC411F330}">
+      <dgm:prSet/>
+      <dgm:spPr/>
+      <dgm:t>
+        <a:bodyPr/>
+        <a:lstStyle/>
+        <a:p>
+          <a:endParaRPr lang="en-US"/>
+        </a:p>
+      </dgm:t>
+    </dgm:pt>
+    <dgm:pt modelId="{662C39F2-E3FC-4DBD-83F4-D758701725C2}">
+      <dgm:prSet phldrT="[Text]" phldr="0"/>
+      <dgm:spPr/>
+      <dgm:t>
+        <a:bodyPr/>
+        <a:lstStyle/>
+        <a:p>
+          <a:r>
+            <a:rPr lang="en-US" dirty="0"/>
+            <a:t>Transform</a:t>
+          </a:r>
+        </a:p>
+        <a:p>
+          <a:r>
+            <a:rPr lang="en-US" dirty="0"/>
+            <a:t>Clean Data</a:t>
+          </a:r>
+        </a:p>
+      </dgm:t>
+    </dgm:pt>
+    <dgm:pt modelId="{8F5B88D5-14E3-46FC-A2FD-CF91E70783C1}" type="parTrans" cxnId="{0853F6D3-08AD-4C9C-8E02-BC25F313D8A6}">
+      <dgm:prSet/>
+      <dgm:spPr/>
+      <dgm:t>
+        <a:bodyPr/>
+        <a:lstStyle/>
+        <a:p>
+          <a:endParaRPr lang="en-US"/>
+        </a:p>
+      </dgm:t>
+    </dgm:pt>
+    <dgm:pt modelId="{DE1CB45F-90D1-4A28-8EA7-0CE212FB6A77}" type="sibTrans" cxnId="{0853F6D3-08AD-4C9C-8E02-BC25F313D8A6}">
+      <dgm:prSet/>
+      <dgm:spPr/>
+      <dgm:t>
+        <a:bodyPr/>
+        <a:lstStyle/>
+        <a:p>
+          <a:endParaRPr lang="en-US"/>
+        </a:p>
+      </dgm:t>
+    </dgm:pt>
+    <dgm:pt modelId="{324FAED0-CB5D-459A-8F31-80F80F424178}">
+      <dgm:prSet phldrT="[Text]" phldr="0"/>
+      <dgm:spPr/>
+      <dgm:t>
+        <a:bodyPr/>
+        <a:lstStyle/>
+        <a:p>
+          <a:r>
+            <a:rPr lang="en-US" dirty="0"/>
+            <a:t>Summarize</a:t>
+          </a:r>
+        </a:p>
+        <a:p>
+          <a:r>
+            <a:rPr lang="en-US" dirty="0"/>
+            <a:t>Visualize</a:t>
+          </a:r>
+        </a:p>
+        <a:p>
+          <a:r>
+            <a:rPr lang="en-US" dirty="0"/>
+            <a:t>Model</a:t>
+          </a:r>
+        </a:p>
+      </dgm:t>
+    </dgm:pt>
+    <dgm:pt modelId="{D21C8EA6-F095-477A-92FC-744A5A3F6701}" type="parTrans" cxnId="{13DB0F8F-E73F-4613-9939-8BBA5A9E7C27}">
+      <dgm:prSet/>
+      <dgm:spPr/>
+      <dgm:t>
+        <a:bodyPr/>
+        <a:lstStyle/>
+        <a:p>
+          <a:endParaRPr lang="en-US"/>
+        </a:p>
+      </dgm:t>
+    </dgm:pt>
+    <dgm:pt modelId="{22372E86-33CA-4505-8BE9-804CB1E5FF16}" type="sibTrans" cxnId="{13DB0F8F-E73F-4613-9939-8BBA5A9E7C27}">
+      <dgm:prSet/>
+      <dgm:spPr/>
+      <dgm:t>
+        <a:bodyPr/>
+        <a:lstStyle/>
+        <a:p>
+          <a:endParaRPr lang="en-US"/>
+        </a:p>
+      </dgm:t>
+    </dgm:pt>
+    <dgm:pt modelId="{8A18165C-A7C4-422A-95B7-EF1D5538FA61}" type="pres">
+      <dgm:prSet presAssocID="{4BE7045F-ECBD-4B6D-B8D7-DFEEDA811169}" presName="cycle" presStyleCnt="0">
+        <dgm:presLayoutVars>
+          <dgm:dir/>
+          <dgm:resizeHandles val="exact"/>
+        </dgm:presLayoutVars>
+      </dgm:prSet>
+      <dgm:spPr/>
+    </dgm:pt>
+    <dgm:pt modelId="{B8428A25-8D74-471A-B991-7C5F67D224E0}" type="pres">
+      <dgm:prSet presAssocID="{EC76C363-DB48-41CD-AF48-90CDF3520567}" presName="node" presStyleLbl="node1" presStyleIdx="0" presStyleCnt="3">
+        <dgm:presLayoutVars>
+          <dgm:bulletEnabled val="1"/>
+        </dgm:presLayoutVars>
+      </dgm:prSet>
+      <dgm:spPr/>
+    </dgm:pt>
+    <dgm:pt modelId="{7DD95FB2-6C94-4575-B5DD-0C2FD8C2512F}" type="pres">
+      <dgm:prSet presAssocID="{EC76C363-DB48-41CD-AF48-90CDF3520567}" presName="spNode" presStyleCnt="0"/>
+      <dgm:spPr/>
+    </dgm:pt>
+    <dgm:pt modelId="{2CB2E969-8B6B-4A55-ACC3-E6F114D40E95}" type="pres">
+      <dgm:prSet presAssocID="{906DD7A4-FDE5-476E-8A57-78B882DF3A46}" presName="sibTrans" presStyleLbl="sibTrans1D1" presStyleIdx="0" presStyleCnt="3"/>
+      <dgm:spPr/>
+    </dgm:pt>
+    <dgm:pt modelId="{AF46453C-C252-4D83-A056-CDCFA8B81FB8}" type="pres">
+      <dgm:prSet presAssocID="{662C39F2-E3FC-4DBD-83F4-D758701725C2}" presName="node" presStyleLbl="node1" presStyleIdx="1" presStyleCnt="3">
+        <dgm:presLayoutVars>
+          <dgm:bulletEnabled val="1"/>
+        </dgm:presLayoutVars>
+      </dgm:prSet>
+      <dgm:spPr/>
+    </dgm:pt>
+    <dgm:pt modelId="{CAD02C1E-4189-4EEA-BF0E-8A731A537509}" type="pres">
+      <dgm:prSet presAssocID="{662C39F2-E3FC-4DBD-83F4-D758701725C2}" presName="spNode" presStyleCnt="0"/>
+      <dgm:spPr/>
+    </dgm:pt>
+    <dgm:pt modelId="{08C829C6-DC86-4DA5-A859-C72EAC6F436A}" type="pres">
+      <dgm:prSet presAssocID="{DE1CB45F-90D1-4A28-8EA7-0CE212FB6A77}" presName="sibTrans" presStyleLbl="sibTrans1D1" presStyleIdx="1" presStyleCnt="3"/>
+      <dgm:spPr/>
+    </dgm:pt>
+    <dgm:pt modelId="{C7FF944F-A826-43BB-900E-33BD158A50F9}" type="pres">
+      <dgm:prSet presAssocID="{324FAED0-CB5D-459A-8F31-80F80F424178}" presName="node" presStyleLbl="node1" presStyleIdx="2" presStyleCnt="3">
+        <dgm:presLayoutVars>
+          <dgm:bulletEnabled val="1"/>
+        </dgm:presLayoutVars>
+      </dgm:prSet>
+      <dgm:spPr/>
+    </dgm:pt>
+    <dgm:pt modelId="{31B81727-010C-45D9-8948-9B2CC411B8D3}" type="pres">
+      <dgm:prSet presAssocID="{324FAED0-CB5D-459A-8F31-80F80F424178}" presName="spNode" presStyleCnt="0"/>
+      <dgm:spPr/>
+    </dgm:pt>
+    <dgm:pt modelId="{C8142C20-1F38-4244-B04D-E9EC71FA95BC}" type="pres">
+      <dgm:prSet presAssocID="{22372E86-33CA-4505-8BE9-804CB1E5FF16}" presName="sibTrans" presStyleLbl="sibTrans1D1" presStyleIdx="2" presStyleCnt="3"/>
+      <dgm:spPr/>
+    </dgm:pt>
+  </dgm:ptLst>
+  <dgm:cxnLst>
+    <dgm:cxn modelId="{C28FB908-5BD6-415B-8431-8D79B6531AE6}" type="presOf" srcId="{22372E86-33CA-4505-8BE9-804CB1E5FF16}" destId="{C8142C20-1F38-4244-B04D-E9EC71FA95BC}" srcOrd="0" destOrd="0" presId="urn:microsoft.com/office/officeart/2005/8/layout/cycle5"/>
+    <dgm:cxn modelId="{D0FC982A-0AF7-481E-A7F0-0A05748BE868}" type="presOf" srcId="{662C39F2-E3FC-4DBD-83F4-D758701725C2}" destId="{AF46453C-C252-4D83-A056-CDCFA8B81FB8}" srcOrd="0" destOrd="0" presId="urn:microsoft.com/office/officeart/2005/8/layout/cycle5"/>
+    <dgm:cxn modelId="{8F663050-3B43-4C29-9776-A68FC411F330}" srcId="{4BE7045F-ECBD-4B6D-B8D7-DFEEDA811169}" destId="{EC76C363-DB48-41CD-AF48-90CDF3520567}" srcOrd="0" destOrd="0" parTransId="{06819629-0AA3-4986-8FE1-2FE66C187F8C}" sibTransId="{906DD7A4-FDE5-476E-8A57-78B882DF3A46}"/>
+    <dgm:cxn modelId="{16B8CD7A-BCB6-4864-9C78-C5A97359FEA1}" type="presOf" srcId="{DE1CB45F-90D1-4A28-8EA7-0CE212FB6A77}" destId="{08C829C6-DC86-4DA5-A859-C72EAC6F436A}" srcOrd="0" destOrd="0" presId="urn:microsoft.com/office/officeart/2005/8/layout/cycle5"/>
+    <dgm:cxn modelId="{1ACC7386-A685-4F20-8C34-C69F527F8DFA}" type="presOf" srcId="{906DD7A4-FDE5-476E-8A57-78B882DF3A46}" destId="{2CB2E969-8B6B-4A55-ACC3-E6F114D40E95}" srcOrd="0" destOrd="0" presId="urn:microsoft.com/office/officeart/2005/8/layout/cycle5"/>
+    <dgm:cxn modelId="{13DB0F8F-E73F-4613-9939-8BBA5A9E7C27}" srcId="{4BE7045F-ECBD-4B6D-B8D7-DFEEDA811169}" destId="{324FAED0-CB5D-459A-8F31-80F80F424178}" srcOrd="2" destOrd="0" parTransId="{D21C8EA6-F095-477A-92FC-744A5A3F6701}" sibTransId="{22372E86-33CA-4505-8BE9-804CB1E5FF16}"/>
+    <dgm:cxn modelId="{DEE588A8-1FB1-4330-9D72-FBCDC2E471F1}" type="presOf" srcId="{324FAED0-CB5D-459A-8F31-80F80F424178}" destId="{C7FF944F-A826-43BB-900E-33BD158A50F9}" srcOrd="0" destOrd="0" presId="urn:microsoft.com/office/officeart/2005/8/layout/cycle5"/>
+    <dgm:cxn modelId="{390437BD-A446-4E04-B8D6-075D44FF83BA}" type="presOf" srcId="{4BE7045F-ECBD-4B6D-B8D7-DFEEDA811169}" destId="{8A18165C-A7C4-422A-95B7-EF1D5538FA61}" srcOrd="0" destOrd="0" presId="urn:microsoft.com/office/officeart/2005/8/layout/cycle5"/>
+    <dgm:cxn modelId="{0853F6D3-08AD-4C9C-8E02-BC25F313D8A6}" srcId="{4BE7045F-ECBD-4B6D-B8D7-DFEEDA811169}" destId="{662C39F2-E3FC-4DBD-83F4-D758701725C2}" srcOrd="1" destOrd="0" parTransId="{8F5B88D5-14E3-46FC-A2FD-CF91E70783C1}" sibTransId="{DE1CB45F-90D1-4A28-8EA7-0CE212FB6A77}"/>
+    <dgm:cxn modelId="{407F1EFB-7A99-44B9-A1E6-32CD7EE16829}" type="presOf" srcId="{EC76C363-DB48-41CD-AF48-90CDF3520567}" destId="{B8428A25-8D74-471A-B991-7C5F67D224E0}" srcOrd="0" destOrd="0" presId="urn:microsoft.com/office/officeart/2005/8/layout/cycle5"/>
+    <dgm:cxn modelId="{AC1C95F0-8219-4EBD-91E8-FFF8AF08EEA7}" type="presParOf" srcId="{8A18165C-A7C4-422A-95B7-EF1D5538FA61}" destId="{B8428A25-8D74-471A-B991-7C5F67D224E0}" srcOrd="0" destOrd="0" presId="urn:microsoft.com/office/officeart/2005/8/layout/cycle5"/>
+    <dgm:cxn modelId="{044259B0-0AF0-4DEF-B7EE-900C2544ED05}" type="presParOf" srcId="{8A18165C-A7C4-422A-95B7-EF1D5538FA61}" destId="{7DD95FB2-6C94-4575-B5DD-0C2FD8C2512F}" srcOrd="1" destOrd="0" presId="urn:microsoft.com/office/officeart/2005/8/layout/cycle5"/>
+    <dgm:cxn modelId="{4DA3CB14-E14F-4774-9A83-4E3894D44705}" type="presParOf" srcId="{8A18165C-A7C4-422A-95B7-EF1D5538FA61}" destId="{2CB2E969-8B6B-4A55-ACC3-E6F114D40E95}" srcOrd="2" destOrd="0" presId="urn:microsoft.com/office/officeart/2005/8/layout/cycle5"/>
+    <dgm:cxn modelId="{858D8B1E-CCE8-438D-A6D9-5AAAC7C7FB86}" type="presParOf" srcId="{8A18165C-A7C4-422A-95B7-EF1D5538FA61}" destId="{AF46453C-C252-4D83-A056-CDCFA8B81FB8}" srcOrd="3" destOrd="0" presId="urn:microsoft.com/office/officeart/2005/8/layout/cycle5"/>
+    <dgm:cxn modelId="{82F61B58-9DDC-4828-ADC0-5D4941FE3BD1}" type="presParOf" srcId="{8A18165C-A7C4-422A-95B7-EF1D5538FA61}" destId="{CAD02C1E-4189-4EEA-BF0E-8A731A537509}" srcOrd="4" destOrd="0" presId="urn:microsoft.com/office/officeart/2005/8/layout/cycle5"/>
+    <dgm:cxn modelId="{8E25A806-A97D-4F90-B63E-AA6ED42F6C63}" type="presParOf" srcId="{8A18165C-A7C4-422A-95B7-EF1D5538FA61}" destId="{08C829C6-DC86-4DA5-A859-C72EAC6F436A}" srcOrd="5" destOrd="0" presId="urn:microsoft.com/office/officeart/2005/8/layout/cycle5"/>
+    <dgm:cxn modelId="{A339E0C1-C7E6-4D00-821B-A0129FD04E64}" type="presParOf" srcId="{8A18165C-A7C4-422A-95B7-EF1D5538FA61}" destId="{C7FF944F-A826-43BB-900E-33BD158A50F9}" srcOrd="6" destOrd="0" presId="urn:microsoft.com/office/officeart/2005/8/layout/cycle5"/>
+    <dgm:cxn modelId="{6AE3DF52-0E2A-491D-B214-8743D24A2A49}" type="presParOf" srcId="{8A18165C-A7C4-422A-95B7-EF1D5538FA61}" destId="{31B81727-010C-45D9-8948-9B2CC411B8D3}" srcOrd="7" destOrd="0" presId="urn:microsoft.com/office/officeart/2005/8/layout/cycle5"/>
+    <dgm:cxn modelId="{EF3568E3-6011-4CA3-A670-CEFD7AEEBB34}" type="presParOf" srcId="{8A18165C-A7C4-422A-95B7-EF1D5538FA61}" destId="{C8142C20-1F38-4244-B04D-E9EC71FA95BC}" srcOrd="8" destOrd="0" presId="urn:microsoft.com/office/officeart/2005/8/layout/cycle5"/>
+  </dgm:cxnLst>
+  <dgm:bg/>
+  <dgm:whole/>
+  <dgm:extLst>
+    <a:ext uri="http://schemas.microsoft.com/office/drawing/2008/diagram">
+      <dsp:dataModelExt xmlns:dsp="http://schemas.microsoft.com/office/drawing/2008/diagram" relId="rId9" minVer="http://schemas.openxmlformats.org/drawingml/2006/diagram"/>
+    </a:ext>
+    <a:ext uri="{C62137D5-CB1D-491B-B009-E17868A290BF}">
+      <dgm14:recolorImg xmlns:dgm14="http://schemas.microsoft.com/office/drawing/2010/diagram" val="1"/>
+    </a:ext>
+  </dgm:extLst>
+</dgm:dataModel>
+</file>
+
+<file path=ppt/diagrams/drawing1.xml><?xml version="1.0" encoding="utf-8"?>
+<dsp:drawing xmlns:dgm="http://schemas.openxmlformats.org/drawingml/2006/diagram" xmlns:dsp="http://schemas.microsoft.com/office/drawing/2008/diagram" xmlns:a="http://schemas.openxmlformats.org/drawingml/2006/main">
+  <dsp:spTree>
+    <dsp:nvGrpSpPr>
+      <dsp:cNvPr id="0" name=""/>
+      <dsp:cNvGrpSpPr/>
+    </dsp:nvGrpSpPr>
+    <dsp:grpSpPr/>
+    <dsp:sp modelId="{B8428A25-8D74-471A-B991-7C5F67D224E0}">
+      <dsp:nvSpPr>
+        <dsp:cNvPr id="0" name=""/>
+        <dsp:cNvSpPr/>
+      </dsp:nvSpPr>
+      <dsp:spPr>
+        <a:xfrm>
+          <a:off x="1809749" y="751"/>
+          <a:ext cx="1257299" cy="817244"/>
+        </a:xfrm>
+        <a:prstGeom prst="roundRect">
+          <a:avLst/>
+        </a:prstGeom>
+        <a:solidFill>
+          <a:schemeClr val="lt1">
+            <a:hueOff val="0"/>
+            <a:satOff val="0"/>
+            <a:lumOff val="0"/>
+            <a:alphaOff val="0"/>
+          </a:schemeClr>
+        </a:solidFill>
+        <a:ln>
+          <a:noFill/>
+        </a:ln>
+        <a:effectLst>
+          <a:outerShdw blurRad="40000" dist="23000" dir="5400000" rotWithShape="0">
+            <a:srgbClr val="000000">
+              <a:alpha val="35000"/>
+            </a:srgbClr>
+          </a:outerShdw>
+        </a:effectLst>
+        <a:scene3d>
+          <a:camera prst="orthographicFront">
+            <a:rot lat="0" lon="0" rev="0"/>
+          </a:camera>
+          <a:lightRig rig="contrasting" dir="t">
+            <a:rot lat="0" lon="0" rev="1200000"/>
+          </a:lightRig>
+        </a:scene3d>
+        <a:sp3d contourW="19050" prstMaterial="metal">
+          <a:bevelT w="88900" h="203200"/>
+          <a:bevelB w="165100" h="254000"/>
+        </a:sp3d>
+      </dsp:spPr>
+      <dsp:style>
+        <a:lnRef idx="0">
+          <a:scrgbClr r="0" g="0" b="0"/>
+        </a:lnRef>
+        <a:fillRef idx="1">
+          <a:scrgbClr r="0" g="0" b="0"/>
+        </a:fillRef>
+        <a:effectRef idx="2">
+          <a:scrgbClr r="0" g="0" b="0"/>
+        </a:effectRef>
+        <a:fontRef idx="minor">
+          <a:schemeClr val="lt1"/>
+        </a:fontRef>
+      </dsp:style>
+      <dsp:txBody>
+        <a:bodyPr spcFirstLastPara="0" vert="horz" wrap="square" lIns="45720" tIns="45720" rIns="45720" bIns="45720" numCol="1" spcCol="1270" anchor="ctr" anchorCtr="0">
+          <a:noAutofit/>
+        </a:bodyPr>
+        <a:lstStyle/>
+        <a:p>
+          <a:pPr marL="0" lvl="0" indent="0" algn="ctr" defTabSz="533400">
+            <a:lnSpc>
+              <a:spcPct val="90000"/>
+            </a:lnSpc>
+            <a:spcBef>
+              <a:spcPct val="0"/>
+            </a:spcBef>
+            <a:spcAft>
+              <a:spcPct val="35000"/>
+            </a:spcAft>
+            <a:buNone/>
+          </a:pPr>
+          <a:r>
+            <a:rPr lang="en-US" sz="1200" kern="1200" dirty="0"/>
+            <a:t>Questions</a:t>
+          </a:r>
+        </a:p>
+        <a:p>
+          <a:pPr marL="0" lvl="0" indent="0" algn="ctr" defTabSz="533400">
+            <a:lnSpc>
+              <a:spcPct val="90000"/>
+            </a:lnSpc>
+            <a:spcBef>
+              <a:spcPct val="0"/>
+            </a:spcBef>
+            <a:spcAft>
+              <a:spcPct val="35000"/>
+            </a:spcAft>
+            <a:buNone/>
+          </a:pPr>
+          <a:r>
+            <a:rPr lang="en-US" sz="1200" kern="1200" dirty="0"/>
+            <a:t>About Data</a:t>
+          </a:r>
+        </a:p>
+      </dsp:txBody>
+      <dsp:txXfrm>
+        <a:off x="1849644" y="40646"/>
+        <a:ext cx="1177509" cy="737454"/>
+      </dsp:txXfrm>
+    </dsp:sp>
+    <dsp:sp modelId="{2CB2E969-8B6B-4A55-ACC3-E6F114D40E95}">
+      <dsp:nvSpPr>
+        <dsp:cNvPr id="0" name=""/>
+        <dsp:cNvSpPr/>
+      </dsp:nvSpPr>
+      <dsp:spPr>
+        <a:xfrm>
+          <a:off x="1347300" y="409373"/>
+          <a:ext cx="2182199" cy="2182199"/>
+        </a:xfrm>
+        <a:custGeom>
+          <a:avLst/>
+          <a:gdLst/>
+          <a:ahLst/>
+          <a:cxnLst/>
+          <a:rect l="0" t="0" r="0" b="0"/>
+          <a:pathLst>
+            <a:path>
+              <a:moveTo>
+                <a:pt x="1888945" y="346827"/>
+              </a:moveTo>
+              <a:arcTo wR="1091099" hR="1091099" stAng="19019381" swAng="2304659"/>
+            </a:path>
+          </a:pathLst>
+        </a:custGeom>
+        <a:noFill/>
+        <a:ln w="9525" cap="flat" cmpd="sng" algn="ctr">
+          <a:solidFill>
+            <a:schemeClr val="dk1">
+              <a:hueOff val="0"/>
+              <a:satOff val="0"/>
+              <a:lumOff val="0"/>
+              <a:alphaOff val="0"/>
+            </a:schemeClr>
+          </a:solidFill>
+          <a:prstDash val="solid"/>
+          <a:tailEnd type="arrow"/>
+        </a:ln>
+        <a:effectLst/>
+        <a:scene3d>
+          <a:camera prst="orthographicFront">
+            <a:rot lat="0" lon="0" rev="0"/>
+          </a:camera>
+          <a:lightRig rig="contrasting" dir="t">
+            <a:rot lat="0" lon="0" rev="1200000"/>
+          </a:lightRig>
+        </a:scene3d>
+        <a:sp3d z="-110000"/>
+      </dsp:spPr>
+      <dsp:style>
+        <a:lnRef idx="1">
+          <a:scrgbClr r="0" g="0" b="0"/>
+        </a:lnRef>
+        <a:fillRef idx="0">
+          <a:scrgbClr r="0" g="0" b="0"/>
+        </a:fillRef>
+        <a:effectRef idx="0">
+          <a:scrgbClr r="0" g="0" b="0"/>
+        </a:effectRef>
+        <a:fontRef idx="minor"/>
+      </dsp:style>
+    </dsp:sp>
+    <dsp:sp modelId="{AF46453C-C252-4D83-A056-CDCFA8B81FB8}">
+      <dsp:nvSpPr>
+        <dsp:cNvPr id="0" name=""/>
+        <dsp:cNvSpPr/>
+      </dsp:nvSpPr>
+      <dsp:spPr>
+        <a:xfrm>
+          <a:off x="2754670" y="1637400"/>
+          <a:ext cx="1257299" cy="817244"/>
+        </a:xfrm>
+        <a:prstGeom prst="roundRect">
+          <a:avLst/>
+        </a:prstGeom>
+        <a:solidFill>
+          <a:schemeClr val="lt1">
+            <a:hueOff val="0"/>
+            <a:satOff val="0"/>
+            <a:lumOff val="0"/>
+            <a:alphaOff val="0"/>
+          </a:schemeClr>
+        </a:solidFill>
+        <a:ln>
+          <a:noFill/>
+        </a:ln>
+        <a:effectLst>
+          <a:outerShdw blurRad="40000" dist="23000" dir="5400000" rotWithShape="0">
+            <a:srgbClr val="000000">
+              <a:alpha val="35000"/>
+            </a:srgbClr>
+          </a:outerShdw>
+        </a:effectLst>
+        <a:scene3d>
+          <a:camera prst="orthographicFront">
+            <a:rot lat="0" lon="0" rev="0"/>
+          </a:camera>
+          <a:lightRig rig="contrasting" dir="t">
+            <a:rot lat="0" lon="0" rev="1200000"/>
+          </a:lightRig>
+        </a:scene3d>
+        <a:sp3d contourW="19050" prstMaterial="metal">
+          <a:bevelT w="88900" h="203200"/>
+          <a:bevelB w="165100" h="254000"/>
+        </a:sp3d>
+      </dsp:spPr>
+      <dsp:style>
+        <a:lnRef idx="0">
+          <a:scrgbClr r="0" g="0" b="0"/>
+        </a:lnRef>
+        <a:fillRef idx="1">
+          <a:scrgbClr r="0" g="0" b="0"/>
+        </a:fillRef>
+        <a:effectRef idx="2">
+          <a:scrgbClr r="0" g="0" b="0"/>
+        </a:effectRef>
+        <a:fontRef idx="minor">
+          <a:schemeClr val="lt1"/>
+        </a:fontRef>
+      </dsp:style>
+      <dsp:txBody>
+        <a:bodyPr spcFirstLastPara="0" vert="horz" wrap="square" lIns="45720" tIns="45720" rIns="45720" bIns="45720" numCol="1" spcCol="1270" anchor="ctr" anchorCtr="0">
+          <a:noAutofit/>
+        </a:bodyPr>
+        <a:lstStyle/>
+        <a:p>
+          <a:pPr marL="0" lvl="0" indent="0" algn="ctr" defTabSz="533400">
+            <a:lnSpc>
+              <a:spcPct val="90000"/>
+            </a:lnSpc>
+            <a:spcBef>
+              <a:spcPct val="0"/>
+            </a:spcBef>
+            <a:spcAft>
+              <a:spcPct val="35000"/>
+            </a:spcAft>
+            <a:buNone/>
+          </a:pPr>
+          <a:r>
+            <a:rPr lang="en-US" sz="1200" kern="1200" dirty="0"/>
+            <a:t>Transform</a:t>
+          </a:r>
+        </a:p>
+        <a:p>
+          <a:pPr marL="0" lvl="0" indent="0" algn="ctr" defTabSz="533400">
+            <a:lnSpc>
+              <a:spcPct val="90000"/>
+            </a:lnSpc>
+            <a:spcBef>
+              <a:spcPct val="0"/>
+            </a:spcBef>
+            <a:spcAft>
+              <a:spcPct val="35000"/>
+            </a:spcAft>
+            <a:buNone/>
+          </a:pPr>
+          <a:r>
+            <a:rPr lang="en-US" sz="1200" kern="1200" dirty="0"/>
+            <a:t>Clean Data</a:t>
+          </a:r>
+        </a:p>
+      </dsp:txBody>
+      <dsp:txXfrm>
+        <a:off x="2794565" y="1677295"/>
+        <a:ext cx="1177509" cy="737454"/>
+      </dsp:txXfrm>
+    </dsp:sp>
+    <dsp:sp modelId="{08C829C6-DC86-4DA5-A859-C72EAC6F436A}">
+      <dsp:nvSpPr>
+        <dsp:cNvPr id="0" name=""/>
+        <dsp:cNvSpPr/>
+      </dsp:nvSpPr>
+      <dsp:spPr>
+        <a:xfrm>
+          <a:off x="1347300" y="409373"/>
+          <a:ext cx="2182199" cy="2182199"/>
+        </a:xfrm>
+        <a:custGeom>
+          <a:avLst/>
+          <a:gdLst/>
+          <a:ahLst/>
+          <a:cxnLst/>
+          <a:rect l="0" t="0" r="0" b="0"/>
+          <a:pathLst>
+            <a:path>
+              <a:moveTo>
+                <a:pt x="1426416" y="2129397"/>
+              </a:moveTo>
+              <a:arcTo wR="1091099" hR="1091099" stAng="4326133" swAng="2147733"/>
+            </a:path>
+          </a:pathLst>
+        </a:custGeom>
+        <a:noFill/>
+        <a:ln w="9525" cap="flat" cmpd="sng" algn="ctr">
+          <a:solidFill>
+            <a:schemeClr val="dk1">
+              <a:hueOff val="0"/>
+              <a:satOff val="0"/>
+              <a:lumOff val="0"/>
+              <a:alphaOff val="0"/>
+            </a:schemeClr>
+          </a:solidFill>
+          <a:prstDash val="solid"/>
+          <a:tailEnd type="arrow"/>
+        </a:ln>
+        <a:effectLst/>
+        <a:scene3d>
+          <a:camera prst="orthographicFront">
+            <a:rot lat="0" lon="0" rev="0"/>
+          </a:camera>
+          <a:lightRig rig="contrasting" dir="t">
+            <a:rot lat="0" lon="0" rev="1200000"/>
+          </a:lightRig>
+        </a:scene3d>
+        <a:sp3d z="-110000"/>
+      </dsp:spPr>
+      <dsp:style>
+        <a:lnRef idx="1">
+          <a:scrgbClr r="0" g="0" b="0"/>
+        </a:lnRef>
+        <a:fillRef idx="0">
+          <a:scrgbClr r="0" g="0" b="0"/>
+        </a:fillRef>
+        <a:effectRef idx="0">
+          <a:scrgbClr r="0" g="0" b="0"/>
+        </a:effectRef>
+        <a:fontRef idx="minor"/>
+      </dsp:style>
+    </dsp:sp>
+    <dsp:sp modelId="{C7FF944F-A826-43BB-900E-33BD158A50F9}">
+      <dsp:nvSpPr>
+        <dsp:cNvPr id="0" name=""/>
+        <dsp:cNvSpPr/>
+      </dsp:nvSpPr>
+      <dsp:spPr>
+        <a:xfrm>
+          <a:off x="864829" y="1637400"/>
+          <a:ext cx="1257299" cy="817244"/>
+        </a:xfrm>
+        <a:prstGeom prst="roundRect">
+          <a:avLst/>
+        </a:prstGeom>
+        <a:solidFill>
+          <a:schemeClr val="lt1">
+            <a:hueOff val="0"/>
+            <a:satOff val="0"/>
+            <a:lumOff val="0"/>
+            <a:alphaOff val="0"/>
+          </a:schemeClr>
+        </a:solidFill>
+        <a:ln>
+          <a:noFill/>
+        </a:ln>
+        <a:effectLst>
+          <a:outerShdw blurRad="40000" dist="23000" dir="5400000" rotWithShape="0">
+            <a:srgbClr val="000000">
+              <a:alpha val="35000"/>
+            </a:srgbClr>
+          </a:outerShdw>
+        </a:effectLst>
+        <a:scene3d>
+          <a:camera prst="orthographicFront">
+            <a:rot lat="0" lon="0" rev="0"/>
+          </a:camera>
+          <a:lightRig rig="contrasting" dir="t">
+            <a:rot lat="0" lon="0" rev="1200000"/>
+          </a:lightRig>
+        </a:scene3d>
+        <a:sp3d contourW="19050" prstMaterial="metal">
+          <a:bevelT w="88900" h="203200"/>
+          <a:bevelB w="165100" h="254000"/>
+        </a:sp3d>
+      </dsp:spPr>
+      <dsp:style>
+        <a:lnRef idx="0">
+          <a:scrgbClr r="0" g="0" b="0"/>
+        </a:lnRef>
+        <a:fillRef idx="1">
+          <a:scrgbClr r="0" g="0" b="0"/>
+        </a:fillRef>
+        <a:effectRef idx="2">
+          <a:scrgbClr r="0" g="0" b="0"/>
+        </a:effectRef>
+        <a:fontRef idx="minor">
+          <a:schemeClr val="lt1"/>
+        </a:fontRef>
+      </dsp:style>
+      <dsp:txBody>
+        <a:bodyPr spcFirstLastPara="0" vert="horz" wrap="square" lIns="45720" tIns="45720" rIns="45720" bIns="45720" numCol="1" spcCol="1270" anchor="ctr" anchorCtr="0">
+          <a:noAutofit/>
+        </a:bodyPr>
+        <a:lstStyle/>
+        <a:p>
+          <a:pPr marL="0" lvl="0" indent="0" algn="ctr" defTabSz="533400">
+            <a:lnSpc>
+              <a:spcPct val="90000"/>
+            </a:lnSpc>
+            <a:spcBef>
+              <a:spcPct val="0"/>
+            </a:spcBef>
+            <a:spcAft>
+              <a:spcPct val="35000"/>
+            </a:spcAft>
+            <a:buNone/>
+          </a:pPr>
+          <a:r>
+            <a:rPr lang="en-US" sz="1200" kern="1200" dirty="0"/>
+            <a:t>Summarize</a:t>
+          </a:r>
+        </a:p>
+        <a:p>
+          <a:pPr marL="0" lvl="0" indent="0" algn="ctr" defTabSz="533400">
+            <a:lnSpc>
+              <a:spcPct val="90000"/>
+            </a:lnSpc>
+            <a:spcBef>
+              <a:spcPct val="0"/>
+            </a:spcBef>
+            <a:spcAft>
+              <a:spcPct val="35000"/>
+            </a:spcAft>
+            <a:buNone/>
+          </a:pPr>
+          <a:r>
+            <a:rPr lang="en-US" sz="1200" kern="1200" dirty="0"/>
+            <a:t>Visualize</a:t>
+          </a:r>
+        </a:p>
+        <a:p>
+          <a:pPr marL="0" lvl="0" indent="0" algn="ctr" defTabSz="533400">
+            <a:lnSpc>
+              <a:spcPct val="90000"/>
+            </a:lnSpc>
+            <a:spcBef>
+              <a:spcPct val="0"/>
+            </a:spcBef>
+            <a:spcAft>
+              <a:spcPct val="35000"/>
+            </a:spcAft>
+            <a:buNone/>
+          </a:pPr>
+          <a:r>
+            <a:rPr lang="en-US" sz="1200" kern="1200" dirty="0"/>
+            <a:t>Model</a:t>
+          </a:r>
+        </a:p>
+      </dsp:txBody>
+      <dsp:txXfrm>
+        <a:off x="904724" y="1677295"/>
+        <a:ext cx="1177509" cy="737454"/>
+      </dsp:txXfrm>
+    </dsp:sp>
+    <dsp:sp modelId="{C8142C20-1F38-4244-B04D-E9EC71FA95BC}">
+      <dsp:nvSpPr>
+        <dsp:cNvPr id="0" name=""/>
+        <dsp:cNvSpPr/>
+      </dsp:nvSpPr>
+      <dsp:spPr>
+        <a:xfrm>
+          <a:off x="1347300" y="409373"/>
+          <a:ext cx="2182199" cy="2182199"/>
+        </a:xfrm>
+        <a:custGeom>
+          <a:avLst/>
+          <a:gdLst/>
+          <a:ahLst/>
+          <a:cxnLst/>
+          <a:rect l="0" t="0" r="0" b="0"/>
+          <a:pathLst>
+            <a:path>
+              <a:moveTo>
+                <a:pt x="3513" y="1003607"/>
+              </a:moveTo>
+              <a:arcTo wR="1091099" hR="1091099" stAng="11075959" swAng="2304659"/>
+            </a:path>
+          </a:pathLst>
+        </a:custGeom>
+        <a:noFill/>
+        <a:ln w="9525" cap="flat" cmpd="sng" algn="ctr">
+          <a:solidFill>
+            <a:schemeClr val="dk1">
+              <a:hueOff val="0"/>
+              <a:satOff val="0"/>
+              <a:lumOff val="0"/>
+              <a:alphaOff val="0"/>
+            </a:schemeClr>
+          </a:solidFill>
+          <a:prstDash val="solid"/>
+          <a:tailEnd type="arrow"/>
+        </a:ln>
+        <a:effectLst/>
+        <a:scene3d>
+          <a:camera prst="orthographicFront">
+            <a:rot lat="0" lon="0" rev="0"/>
+          </a:camera>
+          <a:lightRig rig="contrasting" dir="t">
+            <a:rot lat="0" lon="0" rev="1200000"/>
+          </a:lightRig>
+        </a:scene3d>
+        <a:sp3d z="-110000"/>
+      </dsp:spPr>
+      <dsp:style>
+        <a:lnRef idx="1">
+          <a:scrgbClr r="0" g="0" b="0"/>
+        </a:lnRef>
+        <a:fillRef idx="0">
+          <a:scrgbClr r="0" g="0" b="0"/>
+        </a:fillRef>
+        <a:effectRef idx="0">
+          <a:scrgbClr r="0" g="0" b="0"/>
+        </a:effectRef>
+        <a:fontRef idx="minor"/>
+      </dsp:style>
+    </dsp:sp>
+  </dsp:spTree>
+</dsp:drawing>
+</file>
+
+<file path=ppt/diagrams/layout1.xml><?xml version="1.0" encoding="utf-8"?>
+<dgm:layoutDef xmlns:dgm="http://schemas.openxmlformats.org/drawingml/2006/diagram" xmlns:a="http://schemas.openxmlformats.org/drawingml/2006/main" uniqueId="urn:microsoft.com/office/officeart/2005/8/layout/cycle5">
+  <dgm:title val=""/>
+  <dgm:desc val=""/>
+  <dgm:catLst>
+    <dgm:cat type="cycle" pri="3000"/>
+  </dgm:catLst>
+  <dgm:sampData>
+    <dgm:dataModel>
+      <dgm:ptLst>
+        <dgm:pt modelId="0" type="doc"/>
+        <dgm:pt modelId="1">
+          <dgm:prSet phldr="1"/>
+        </dgm:pt>
+        <dgm:pt modelId="2">
+          <dgm:prSet phldr="1"/>
+        </dgm:pt>
+        <dgm:pt modelId="3">
+          <dgm:prSet phldr="1"/>
+        </dgm:pt>
+        <dgm:pt modelId="4">
+          <dgm:prSet phldr="1"/>
+        </dgm:pt>
+        <dgm:pt modelId="5">
+          <dgm:prSet phldr="1"/>
+        </dgm:pt>
+      </dgm:ptLst>
+      <dgm:cxnLst>
+        <dgm:cxn modelId="6" srcId="0" destId="1" srcOrd="0" destOrd="0"/>
+        <dgm:cxn modelId="7" srcId="0" destId="2" srcOrd="1" destOrd="0"/>
+        <dgm:cxn modelId="8" srcId="0" destId="3" srcOrd="2" destOrd="0"/>
+        <dgm:cxn modelId="9" srcId="0" destId="4" srcOrd="3" destOrd="0"/>
+        <dgm:cxn modelId="10" srcId="0" destId="5" srcOrd="4" destOrd="0"/>
+      </dgm:cxnLst>
+      <dgm:bg/>
+      <dgm:whole/>
+    </dgm:dataModel>
+  </dgm:sampData>
+  <dgm:styleData>
+    <dgm:dataModel>
+      <dgm:ptLst>
+        <dgm:pt modelId="0" type="doc"/>
+        <dgm:pt modelId="1"/>
+        <dgm:pt modelId="2"/>
+        <dgm:pt modelId="3"/>
+      </dgm:ptLst>
+      <dgm:cxnLst>
+        <dgm:cxn modelId="4" srcId="0" destId="1" srcOrd="0" destOrd="0"/>
+        <dgm:cxn modelId="5" srcId="0" destId="2" srcOrd="1" destOrd="0"/>
+        <dgm:cxn modelId="6" srcId="0" destId="3" srcOrd="2" destOrd="0"/>
+      </dgm:cxnLst>
+      <dgm:bg/>
+      <dgm:whole/>
+    </dgm:dataModel>
+  </dgm:styleData>
+  <dgm:clrData>
+    <dgm:dataModel>
+      <dgm:ptLst>
+        <dgm:pt modelId="0" type="doc"/>
+        <dgm:pt modelId="1"/>
+        <dgm:pt modelId="2"/>
+        <dgm:pt modelId="3"/>
+        <dgm:pt modelId="4"/>
+        <dgm:pt modelId="5"/>
+        <dgm:pt modelId="6"/>
+      </dgm:ptLst>
+      <dgm:cxnLst>
+        <dgm:cxn modelId="7" srcId="0" destId="1" srcOrd="0" destOrd="0"/>
+        <dgm:cxn modelId="8" srcId="0" destId="2" srcOrd="1" destOrd="0"/>
+        <dgm:cxn modelId="9" srcId="0" destId="3" srcOrd="2" destOrd="0"/>
+        <dgm:cxn modelId="10" srcId="0" destId="4" srcOrd="3" destOrd="0"/>
+        <dgm:cxn modelId="11" srcId="0" destId="5" srcOrd="4" destOrd="0"/>
+        <dgm:cxn modelId="12" srcId="0" destId="6" srcOrd="5" destOrd="0"/>
+      </dgm:cxnLst>
+      <dgm:bg/>
+      <dgm:whole/>
+    </dgm:dataModel>
+  </dgm:clrData>
+  <dgm:layoutNode name="cycle">
+    <dgm:varLst>
+      <dgm:dir/>
+      <dgm:resizeHandles val="exact"/>
+    </dgm:varLst>
+    <dgm:choose name="Name0">
+      <dgm:if name="Name1" func="var" arg="dir" op="equ" val="norm">
+        <dgm:choose name="Name2">
+          <dgm:if name="Name3" axis="ch" ptType="node" func="cnt" op="gt" val="2">
+            <dgm:alg type="cycle">
+              <dgm:param type="stAng" val="0"/>
+              <dgm:param type="spanAng" val="360"/>
+            </dgm:alg>
+          </dgm:if>
+          <dgm:else name="Name4">
+            <dgm:alg type="cycle">
+              <dgm:param type="stAng" val="-90"/>
+              <dgm:param type="spanAng" val="360"/>
+            </dgm:alg>
+          </dgm:else>
+        </dgm:choose>
+      </dgm:if>
+      <dgm:else name="Name5">
+        <dgm:choose name="Name6">
+          <dgm:if name="Name7" axis="ch" ptType="node" func="cnt" op="gt" val="2">
+            <dgm:alg type="cycle">
+              <dgm:param type="stAng" val="0"/>
+              <dgm:param type="spanAng" val="-360"/>
+            </dgm:alg>
+          </dgm:if>
+          <dgm:else name="Name8">
+            <dgm:alg type="cycle">
+              <dgm:param type="stAng" val="90"/>
+              <dgm:param type="spanAng" val="-360"/>
+            </dgm:alg>
+          </dgm:else>
+        </dgm:choose>
+      </dgm:else>
+    </dgm:choose>
+    <dgm:shape xmlns:r="http://schemas.openxmlformats.org/officeDocument/2006/relationships" r:blip="">
+      <dgm:adjLst/>
+    </dgm:shape>
+    <dgm:presOf/>
+    <dgm:choose name="Name9">
+      <dgm:if name="Name10" func="var" arg="dir" op="equ" val="norm">
+        <dgm:constrLst>
+          <dgm:constr type="w" for="ch" forName="node" refType="w"/>
+          <dgm:constr type="w" for="ch" ptType="sibTrans" refType="w" refFor="ch" refForName="node" op="equ" fact="0.3"/>
+          <dgm:constr type="diam" for="ch" ptType="sibTrans" refType="diam" op="equ"/>
+          <dgm:constr type="sibSp" refType="w" refFor="ch" refForName="node" op="equ" fact="0.15"/>
+          <dgm:constr type="w" for="ch" forName="spNode" refType="sibSp" fact="1.6"/>
+          <dgm:constr type="primFontSz" for="ch" forName="node" op="equ" val="65"/>
+        </dgm:constrLst>
+      </dgm:if>
+      <dgm:else name="Name11">
+        <dgm:constrLst>
+          <dgm:constr type="w" for="ch" forName="node" refType="w"/>
+          <dgm:constr type="w" for="ch" ptType="sibTrans" refType="w" refFor="ch" refForName="node" op="equ" fact="0.3"/>
+          <dgm:constr type="diam" for="ch" ptType="sibTrans" refType="diam" fact="-1"/>
+          <dgm:constr type="diam" for="ch" refType="diam" op="equ" fact="-1"/>
+          <dgm:constr type="sibSp" refType="w" refFor="ch" refForName="node" op="equ" fact="0.15"/>
+          <dgm:constr type="w" for="ch" forName="spNode" refType="sibSp" fact="1.6"/>
+          <dgm:constr type="primFontSz" for="ch" forName="node" op="equ" val="65"/>
+        </dgm:constrLst>
+      </dgm:else>
+    </dgm:choose>
+    <dgm:ruleLst/>
+    <dgm:forEach name="Name12" axis="ch" ptType="node">
+      <dgm:layoutNode name="node">
+        <dgm:varLst>
+          <dgm:bulletEnabled val="1"/>
+        </dgm:varLst>
+        <dgm:alg type="tx"/>
+        <dgm:shape xmlns:r="http://schemas.openxmlformats.org/officeDocument/2006/relationships" type="roundRect" r:blip="">
+          <dgm:adjLst/>
+        </dgm:shape>
+        <dgm:presOf axis="desOrSelf" ptType="node"/>
+        <dgm:constrLst>
+          <dgm:constr type="h" refType="w" fact="0.65"/>
+          <dgm:constr type="tMarg" refType="primFontSz" fact="0.3"/>
+          <dgm:constr type="bMarg" refType="primFontSz" fact="0.3"/>
+          <dgm:constr type="lMarg" refType="primFontSz" fact="0.3"/>
+          <dgm:constr type="rMarg" refType="primFontSz" fact="0.3"/>
+        </dgm:constrLst>
+        <dgm:ruleLst>
+          <dgm:rule type="primFontSz" val="5" fact="NaN" max="NaN"/>
+        </dgm:ruleLst>
+      </dgm:layoutNode>
+      <dgm:choose name="Name13">
+        <dgm:if name="Name14" axis="par ch" ptType="doc node" func="cnt" op="gt" val="1">
+          <dgm:layoutNode name="spNode">
+            <dgm:alg type="sp"/>
+            <dgm:shape xmlns:r="http://schemas.openxmlformats.org/officeDocument/2006/relationships" r:blip="">
+              <dgm:adjLst/>
+            </dgm:shape>
+            <dgm:presOf/>
+            <dgm:constrLst>
+              <dgm:constr type="h" refType="w"/>
+            </dgm:constrLst>
+            <dgm:ruleLst/>
+          </dgm:layoutNode>
+          <dgm:forEach name="Name15" axis="followSib" ptType="sibTrans" hideLastTrans="0" cnt="1">
+            <dgm:layoutNode name="sibTrans">
+              <dgm:alg type="conn">
+                <dgm:param type="dim" val="1D"/>
+                <dgm:param type="connRout" val="curve"/>
+                <dgm:param type="begPts" val="radial"/>
+                <dgm:param type="endPts" val="radial"/>
+              </dgm:alg>
+              <dgm:shape xmlns:r="http://schemas.openxmlformats.org/officeDocument/2006/relationships" type="conn" r:blip="">
+                <dgm:adjLst/>
+              </dgm:shape>
+              <dgm:presOf axis="self"/>
+              <dgm:constrLst>
+                <dgm:constr type="h" refType="w" fact="0.65"/>
+                <dgm:constr type="connDist"/>
+                <dgm:constr type="begPad" refType="connDist" fact="0.2"/>
+                <dgm:constr type="endPad" refType="connDist" fact="0.2"/>
+              </dgm:constrLst>
+              <dgm:ruleLst/>
+            </dgm:layoutNode>
+          </dgm:forEach>
+        </dgm:if>
+        <dgm:else name="Name16"/>
+      </dgm:choose>
+    </dgm:forEach>
+  </dgm:layoutNode>
+</dgm:layoutDef>
+</file>
+
+<file path=ppt/diagrams/quickStyle1.xml><?xml version="1.0" encoding="utf-8"?>
+<dgm:styleDef xmlns:dgm="http://schemas.openxmlformats.org/drawingml/2006/diagram" xmlns:a="http://schemas.openxmlformats.org/drawingml/2006/main" uniqueId="urn:microsoft.com/office/officeart/2005/8/quickstyle/3d3">
+  <dgm:title val=""/>
+  <dgm:desc val=""/>
+  <dgm:catLst>
+    <dgm:cat type="3D" pri="11300"/>
+  </dgm:catLst>
+  <dgm:scene3d>
+    <a:camera prst="orthographicFront"/>
+    <a:lightRig rig="threePt" dir="t"/>
+  </dgm:scene3d>
+  <dgm:styleLbl name="node0">
+    <dgm:scene3d>
+      <a:camera prst="orthographicFront">
+        <a:rot lat="0" lon="0" rev="0"/>
+      </a:camera>
+      <a:lightRig rig="contrasting" dir="t">
+        <a:rot lat="0" lon="0" rev="1200000"/>
+      </a:lightRig>
+    </dgm:scene3d>
+    <dgm:sp3d contourW="19050" prstMaterial="metal">
+      <a:bevelT w="88900" h="203200"/>
+      <a:bevelB w="165100" h="254000"/>
+    </dgm:sp3d>
+    <dgm:txPr/>
+    <dgm:style>
+      <a:lnRef idx="0">
+        <a:scrgbClr r="0" g="0" b="0"/>
+      </a:lnRef>
+      <a:fillRef idx="1">
+        <a:scrgbClr r="0" g="0" b="0"/>
+      </a:fillRef>
+      <a:effectRef idx="1">
+        <a:scrgbClr r="0" g="0" b="0"/>
+      </a:effectRef>
+      <a:fontRef idx="minor">
+        <a:schemeClr val="lt1"/>
+      </a:fontRef>
+    </dgm:style>
+  </dgm:styleLbl>
+  <dgm:styleLbl name="lnNode1">
+    <dgm:scene3d>
+      <a:camera prst="orthographicFront">
+        <a:rot lat="0" lon="0" rev="0"/>
+      </a:camera>
+      <a:lightRig rig="contrasting" dir="t">
+        <a:rot lat="0" lon="0" rev="1200000"/>
+      </a:lightRig>
+    </dgm:scene3d>
+    <dgm:sp3d contourW="19050" prstMaterial="metal">
+      <a:bevelT w="88900" h="203200"/>
+      <a:bevelB w="165100" h="254000"/>
+    </dgm:sp3d>
+    <dgm:txPr/>
+    <dgm:style>
+      <a:lnRef idx="0">
+        <a:scrgbClr r="0" g="0" b="0"/>
+      </a:lnRef>
+      <a:fillRef idx="1">
+        <a:scrgbClr r="0" g="0" b="0"/>
+      </a:fillRef>
+      <a:effectRef idx="1">
+        <a:scrgbClr r="0" g="0" b="0"/>
+      </a:effectRef>
+      <a:fontRef idx="minor">
+        <a:schemeClr val="lt1"/>
+      </a:fontRef>
+    </dgm:style>
+  </dgm:styleLbl>
+  <dgm:styleLbl name="vennNode1">
+    <dgm:scene3d>
+      <a:camera prst="orthographicFront">
+        <a:rot lat="0" lon="0" rev="0"/>
+      </a:camera>
+      <a:lightRig rig="contrasting" dir="t">
+        <a:rot lat="0" lon="0" rev="1200000"/>
+      </a:lightRig>
+    </dgm:scene3d>
+    <dgm:sp3d contourW="12700" prstMaterial="clear">
+      <a:bevelT w="177800" h="254000"/>
+      <a:bevelB w="152400"/>
+    </dgm:sp3d>
+    <dgm:txPr/>
+    <dgm:style>
+      <a:lnRef idx="0">
+        <a:scrgbClr r="0" g="0" b="0"/>
+      </a:lnRef>
+      <a:fillRef idx="1">
+        <a:scrgbClr r="0" g="0" b="0"/>
+      </a:fillRef>
+      <a:effectRef idx="0">
+        <a:scrgbClr r="0" g="0" b="0"/>
+      </a:effectRef>
+      <a:fontRef idx="minor">
+        <a:schemeClr val="tx1"/>
+      </a:fontRef>
+    </dgm:style>
+  </dgm:styleLbl>
+  <dgm:styleLbl name="alignNode1">
+    <dgm:scene3d>
+      <a:camera prst="orthographicFront">
+        <a:rot lat="0" lon="0" rev="0"/>
+      </a:camera>
+      <a:lightRig rig="contrasting" dir="t">
+        <a:rot lat="0" lon="0" rev="1200000"/>
+      </a:lightRig>
+    </dgm:scene3d>
+    <dgm:sp3d contourW="19050" prstMaterial="metal">
+      <a:bevelT w="88900" h="203200"/>
+      <a:bevelB w="165100" h="254000"/>
+    </dgm:sp3d>
+    <dgm:txPr/>
+    <dgm:style>
+      <a:lnRef idx="0">
+        <a:scrgbClr r="0" g="0" b="0"/>
+      </a:lnRef>
+      <a:fillRef idx="1">
+        <a:scrgbClr r="0" g="0" b="0"/>
+      </a:fillRef>
+      <a:effectRef idx="2">
+        <a:scrgbClr r="0" g="0" b="0"/>
+      </a:effectRef>
+      <a:fontRef idx="minor">
+        <a:schemeClr val="lt1"/>
+      </a:fontRef>
+    </dgm:style>
+  </dgm:styleLbl>
+  <dgm:styleLbl name="node1">
+    <dgm:scene3d>
+      <a:camera prst="orthographicFront">
+        <a:rot lat="0" lon="0" rev="0"/>
+      </a:camera>
+      <a:lightRig rig="contrasting" dir="t">
+        <a:rot lat="0" lon="0" rev="1200000"/>
+      </a:lightRig>
+    </dgm:scene3d>
+    <dgm:sp3d contourW="19050" prstMaterial="metal">
+      <a:bevelT w="88900" h="203200"/>
+      <a:bevelB w="165100" h="254000"/>
+    </dgm:sp3d>
+    <dgm:txPr/>
+    <dgm:style>
+      <a:lnRef idx="0">
+        <a:scrgbClr r="0" g="0" b="0"/>
+      </a:lnRef>
+      <a:fillRef idx="1">
+        <a:scrgbClr r="0" g="0" b="0"/>
+      </a:fillRef>
+      <a:effectRef idx="2">
+        <a:scrgbClr r="0" g="0" b="0"/>
+      </a:effectRef>
+      <a:fontRef idx="minor">
+        <a:schemeClr val="lt1"/>
+      </a:fontRef>
+    </dgm:style>
+  </dgm:styleLbl>
+  <dgm:styleLbl name="node2">
+    <dgm:scene3d>
+      <a:camera prst="orthographicFront">
+        <a:rot lat="0" lon="0" rev="0"/>
+      </a:camera>
+      <a:lightRig rig="contrasting" dir="t">
+        <a:rot lat="0" lon="0" rev="1200000"/>
+      </a:lightRig>
+    </dgm:scene3d>
+    <dgm:sp3d contourW="19050" prstMaterial="metal">
+      <a:bevelT w="88900" h="203200"/>
+      <a:bevelB w="165100" h="254000"/>
+    </dgm:sp3d>
+    <dgm:txPr/>
+    <dgm:style>
+      <a:lnRef idx="0">
+        <a:scrgbClr r="0" g="0" b="0"/>
+      </a:lnRef>
+      <a:fillRef idx="1">
+        <a:scrgbClr r="0" g="0" b="0"/>
+      </a:fillRef>
+      <a:effectRef idx="1">
+        <a:scrgbClr r="0" g="0" b="0"/>
+      </a:effectRef>
+      <a:fontRef idx="minor">
+        <a:schemeClr val="lt1"/>
+      </a:fontRef>
+    </dgm:style>
+  </dgm:styleLbl>
+  <dgm:styleLbl name="node3">
+    <dgm:scene3d>
+      <a:camera prst="orthographicFront">
+        <a:rot lat="0" lon="0" rev="0"/>
+      </a:camera>
+      <a:lightRig rig="contrasting" dir="t">
+        <a:rot lat="0" lon="0" rev="1200000"/>
+      </a:lightRig>
+    </dgm:scene3d>
+    <dgm:sp3d contourW="19050" prstMaterial="metal">
+      <a:bevelT w="88900" h="203200"/>
+      <a:bevelB w="165100" h="254000"/>
+    </dgm:sp3d>
+    <dgm:txPr/>
+    <dgm:style>
+      <a:lnRef idx="0">
+        <a:scrgbClr r="0" g="0" b="0"/>
+      </a:lnRef>
+      <a:fillRef idx="1">
+        <a:scrgbClr r="0" g="0" b="0"/>
+      </a:fillRef>
+      <a:effectRef idx="1">
+        <a:scrgbClr r="0" g="0" b="0"/>
+      </a:effectRef>
+      <a:fontRef idx="minor">
+        <a:schemeClr val="lt1"/>
+      </a:fontRef>
+    </dgm:style>
+  </dgm:styleLbl>
+  <dgm:styleLbl name="node4">
+    <dgm:scene3d>
+      <a:camera prst="orthographicFront">
+        <a:rot lat="0" lon="0" rev="0"/>
+      </a:camera>
+      <a:lightRig rig="contrasting" dir="t">
+        <a:rot lat="0" lon="0" rev="1200000"/>
+      </a:lightRig>
+    </dgm:scene3d>
+    <dgm:sp3d contourW="19050" prstMaterial="metal">
+      <a:bevelT w="88900" h="203200"/>
+      <a:bevelB w="165100" h="254000"/>
+    </dgm:sp3d>
+    <dgm:txPr/>
+    <dgm:style>
+      <a:lnRef idx="0">
+        <a:scrgbClr r="0" g="0" b="0"/>
+      </a:lnRef>
+      <a:fillRef idx="1">
+        <a:scrgbClr r="0" g="0" b="0"/>
+      </a:fillRef>
+      <a:effectRef idx="1">
+        <a:scrgbClr r="0" g="0" b="0"/>
+      </a:effectRef>
+      <a:fontRef idx="minor">
+        <a:schemeClr val="lt1"/>
+      </a:fontRef>
+    </dgm:style>
+  </dgm:styleLbl>
+  <dgm:styleLbl name="fgImgPlace1">
+    <dgm:scene3d>
+      <a:camera prst="orthographicFront">
+        <a:rot lat="0" lon="0" rev="0"/>
+      </a:camera>
+      <a:lightRig rig="contrasting" dir="t">
+        <a:rot lat="0" lon="0" rev="1200000"/>
+      </a:lightRig>
+    </dgm:scene3d>
+    <dgm:sp3d z="300000" contourW="19050" prstMaterial="metal">
+      <a:bevelT w="88900" h="203200"/>
+      <a:bevelB w="165100" h="254000"/>
+    </dgm:sp3d>
+    <dgm:txPr/>
+    <dgm:style>
+      <a:lnRef idx="0">
+        <a:scrgbClr r="0" g="0" b="0"/>
+      </a:lnRef>
+      <a:fillRef idx="1">
+        <a:scrgbClr r="0" g="0" b="0"/>
+      </a:fillRef>
+      <a:effectRef idx="1">
+        <a:scrgbClr r="0" g="0" b="0"/>
+      </a:effectRef>
+      <a:fontRef idx="minor"/>
+    </dgm:style>
+  </dgm:styleLbl>
+  <dgm:styleLbl name="alignImgPlace1">
+    <dgm:scene3d>
+      <a:camera prst="orthographicFront">
+        <a:rot lat="0" lon="0" rev="0"/>
+      </a:camera>
+      <a:lightRig rig="contrasting" dir="t">
+        <a:rot lat="0" lon="0" rev="1200000"/>
+      </a:lightRig>
+    </dgm:scene3d>
+    <dgm:sp3d contourW="12700" prstMaterial="flat">
+      <a:bevelT w="177800" h="254000"/>
+      <a:bevelB w="152400"/>
+    </dgm:sp3d>
+    <dgm:txPr/>
+    <dgm:style>
+      <a:lnRef idx="0">
+        <a:scrgbClr r="0" g="0" b="0"/>
+      </a:lnRef>
+      <a:fillRef idx="1">
+        <a:scrgbClr r="0" g="0" b="0"/>
+      </a:fillRef>
+      <a:effectRef idx="1">
+        <a:scrgbClr r="0" g="0" b="0"/>
+      </a:effectRef>
+      <a:fontRef idx="minor"/>
+    </dgm:style>
+  </dgm:styleLbl>
+  <dgm:styleLbl name="bgImgPlace1">
+    <dgm:scene3d>
+      <a:camera prst="orthographicFront">
+        <a:rot lat="0" lon="0" rev="0"/>
+      </a:camera>
+      <a:lightRig rig="contrasting" dir="t">
+        <a:rot lat="0" lon="0" rev="1200000"/>
+      </a:lightRig>
+    </dgm:scene3d>
+    <dgm:sp3d z="-300000" contourW="19050" prstMaterial="metal">
+      <a:bevelT w="88900" h="203200"/>
+      <a:bevelB w="165100" h="254000"/>
+    </dgm:sp3d>
+    <dgm:txPr/>
+    <dgm:style>
+      <a:lnRef idx="0">
+        <a:scrgbClr r="0" g="0" b="0"/>
+      </a:lnRef>
+      <a:fillRef idx="1">
+        <a:scrgbClr r="0" g="0" b="0"/>
+      </a:fillRef>
+      <a:effectRef idx="1">
+        <a:scrgbClr r="0" g="0" b="0"/>
+      </a:effectRef>
+      <a:fontRef idx="minor"/>
+    </dgm:style>
+  </dgm:styleLbl>
+  <dgm:styleLbl name="sibTrans2D1">
+    <dgm:scene3d>
+      <a:camera prst="orthographicFront">
+        <a:rot lat="0" lon="0" rev="0"/>
+      </a:camera>
+      <a:lightRig rig="contrasting" dir="t">
+        <a:rot lat="0" lon="0" rev="1200000"/>
+      </a:lightRig>
+    </dgm:scene3d>
+    <dgm:sp3d z="-182000" contourW="19050" prstMaterial="metal">
+      <a:bevelT w="88900" h="203200"/>
+      <a:bevelB w="165100" h="254000"/>
+    </dgm:sp3d>
+    <dgm:txPr/>
+    <dgm:style>
+      <a:lnRef idx="0">
+        <a:scrgbClr r="0" g="0" b="0"/>
+      </a:lnRef>
+      <a:fillRef idx="1">
+        <a:scrgbClr r="0" g="0" b="0"/>
+      </a:fillRef>
+      <a:effectRef idx="0">
+        <a:scrgbClr r="0" g="0" b="0"/>
+      </a:effectRef>
+      <a:fontRef idx="minor">
+        <a:schemeClr val="lt1"/>
+      </a:fontRef>
+    </dgm:style>
+  </dgm:styleLbl>
+  <dgm:styleLbl name="fgSibTrans2D1">
+    <dgm:scene3d>
+      <a:camera prst="orthographicFront">
+        <a:rot lat="0" lon="0" rev="0"/>
+      </a:camera>
+      <a:lightRig rig="contrasting" dir="t">
+        <a:rot lat="0" lon="0" rev="1200000"/>
+      </a:lightRig>
+    </dgm:scene3d>
+    <dgm:sp3d z="300000" contourW="19050" prstMaterial="metal">
+      <a:bevelT w="88900" h="203200"/>
+      <a:bevelB w="165100" h="254000"/>
+    </dgm:sp3d>
+    <dgm:txPr/>
+    <dgm:style>
+      <a:lnRef idx="0">
+        <a:scrgbClr r="0" g="0" b="0"/>
+      </a:lnRef>
+      <a:fillRef idx="1">
+        <a:scrgbClr r="0" g="0" b="0"/>
+      </a:fillRef>
+      <a:effectRef idx="0">
+        <a:scrgbClr r="0" g="0" b="0"/>
+      </a:effectRef>
+      <a:fontRef idx="minor"/>
+    </dgm:style>
+  </dgm:styleLbl>
+  <dgm:styleLbl name="bgSibTrans2D1">
+    <dgm:scene3d>
+      <a:camera prst="orthographicFront">
+        <a:rot lat="0" lon="0" rev="0"/>
+      </a:camera>
+      <a:lightRig rig="contrasting" dir="t">
+        <a:rot lat="0" lon="0" rev="1200000"/>
+      </a:lightRig>
+    </dgm:scene3d>
+    <dgm:sp3d z="-300000" contourW="19050" prstMaterial="metal">
+      <a:bevelT w="88900" h="203200"/>
+      <a:bevelB w="165100" h="254000"/>
+    </dgm:sp3d>
+    <dgm:txPr/>
+    <dgm:style>
+      <a:lnRef idx="0">
+        <a:scrgbClr r="0" g="0" b="0"/>
+      </a:lnRef>
+      <a:fillRef idx="1">
+        <a:scrgbClr r="0" g="0" b="0"/>
+      </a:fillRef>
+      <a:effectRef idx="0">
+        <a:scrgbClr r="0" g="0" b="0"/>
+      </a:effectRef>
+      <a:fontRef idx="minor"/>
+    </dgm:style>
+  </dgm:styleLbl>
+  <dgm:styleLbl name="sibTrans1D1">
+    <dgm:scene3d>
+      <a:camera prst="orthographicFront">
+        <a:rot lat="0" lon="0" rev="0"/>
+      </a:camera>
+      <a:lightRig rig="contrasting" dir="t">
+        <a:rot lat="0" lon="0" rev="1200000"/>
+      </a:lightRig>
+    </dgm:scene3d>
+    <dgm:sp3d z="-110000"/>
+    <dgm:txPr/>
+    <dgm:style>
+      <a:lnRef idx="1">
+        <a:scrgbClr r="0" g="0" b="0"/>
+      </a:lnRef>
+      <a:fillRef idx="0">
+        <a:scrgbClr r="0" g="0" b="0"/>
+      </a:fillRef>
+      <a:effectRef idx="0">
+        <a:scrgbClr r="0" g="0" b="0"/>
+      </a:effectRef>
+      <a:fontRef idx="minor"/>
+    </dgm:style>
+  </dgm:styleLbl>
+  <dgm:styleLbl name="callout">
+    <dgm:scene3d>
+      <a:camera prst="orthographicFront">
+        <a:rot lat="0" lon="0" rev="0"/>
+      </a:camera>
+      <a:lightRig rig="contrasting" dir="t">
+        <a:rot lat="0" lon="0" rev="1200000"/>
+      </a:lightRig>
+    </dgm:scene3d>
+    <dgm:sp3d z="10000"/>
+    <dgm:txPr/>
+    <dgm:style>
+      <a:lnRef idx="2">
+        <a:scrgbClr r="0" g="0" b="0"/>
+      </a:lnRef>
+      <a:fillRef idx="1">
+        <a:scrgbClr r="0" g="0" b="0"/>
+      </a:fillRef>
+      <a:effectRef idx="0">
+        <a:scrgbClr r="0" g="0" b="0"/>
+      </a:effectRef>
+      <a:fontRef idx="minor"/>
+    </dgm:style>
+  </dgm:styleLbl>
+  <dgm:styleLbl name="asst0">
+    <dgm:scene3d>
+      <a:camera prst="orthographicFront">
+        <a:rot lat="0" lon="0" rev="0"/>
+      </a:camera>
+      <a:lightRig rig="contrasting" dir="t">
+        <a:rot lat="0" lon="0" rev="1200000"/>
+      </a:lightRig>
+    </dgm:scene3d>
+    <dgm:sp3d contourW="19050" prstMaterial="metal">
+      <a:bevelT w="88900" h="203200"/>
+      <a:bevelB w="165100" h="254000"/>
+    </dgm:sp3d>
+    <dgm:txPr/>
+    <dgm:style>
+      <a:lnRef idx="0">
+        <a:scrgbClr r="0" g="0" b="0"/>
+      </a:lnRef>
+      <a:fillRef idx="1">
+        <a:scrgbClr r="0" g="0" b="0"/>
+      </a:fillRef>
+      <a:effectRef idx="1">
+        <a:scrgbClr r="0" g="0" b="0"/>
+      </a:effectRef>
+      <a:fontRef idx="minor">
+        <a:schemeClr val="lt1"/>
+      </a:fontRef>
+    </dgm:style>
+  </dgm:styleLbl>
+  <dgm:styleLbl name="asst1">
+    <dgm:scene3d>
+      <a:camera prst="orthographicFront">
+        <a:rot lat="0" lon="0" rev="0"/>
+      </a:camera>
+      <a:lightRig rig="contrasting" dir="t">
+        <a:rot lat="0" lon="0" rev="1200000"/>
+      </a:lightRig>
+    </dgm:scene3d>
+    <dgm:sp3d contourW="19050" prstMaterial="metal">
+      <a:bevelT w="88900" h="203200"/>
+      <a:bevelB w="165100" h="254000"/>
+    </dgm:sp3d>
+    <dgm:txPr/>
+    <dgm:style>
+      <a:lnRef idx="0">
+        <a:scrgbClr r="0" g="0" b="0"/>
+      </a:lnRef>
+      <a:fillRef idx="1">
+        <a:scrgbClr r="0" g="0" b="0"/>
+      </a:fillRef>
+      <a:effectRef idx="1">
+        <a:scrgbClr r="0" g="0" b="0"/>
+      </a:effectRef>
+      <a:fontRef idx="minor">
+        <a:schemeClr val="lt1"/>
+      </a:fontRef>
+    </dgm:style>
+  </dgm:styleLbl>
+  <dgm:styleLbl name="asst2">
+    <dgm:scene3d>
+      <a:camera prst="orthographicFront">
+        <a:rot lat="0" lon="0" rev="0"/>
+      </a:camera>
+      <a:lightRig rig="contrasting" dir="t">
+        <a:rot lat="0" lon="0" rev="1200000"/>
+      </a:lightRig>
+    </dgm:scene3d>
+    <dgm:sp3d contourW="19050" prstMaterial="metal">
+      <a:bevelT w="88900" h="203200"/>
+      <a:bevelB w="165100" h="254000"/>
+    </dgm:sp3d>
+    <dgm:txPr/>
+    <dgm:style>
+      <a:lnRef idx="0">
+        <a:scrgbClr r="0" g="0" b="0"/>
+      </a:lnRef>
+      <a:fillRef idx="1">
+        <a:scrgbClr r="0" g="0" b="0"/>
+      </a:fillRef>
+      <a:effectRef idx="1">
+        <a:scrgbClr r="0" g="0" b="0"/>
+      </a:effectRef>
+      <a:fontRef idx="minor">
+        <a:schemeClr val="lt1"/>
+      </a:fontRef>
+    </dgm:style>
+  </dgm:styleLbl>
+  <dgm:styleLbl name="asst3">
+    <dgm:scene3d>
+      <a:camera prst="orthographicFront">
+        <a:rot lat="0" lon="0" rev="0"/>
+      </a:camera>
+      <a:lightRig rig="contrasting" dir="t">
+        <a:rot lat="0" lon="0" rev="1200000"/>
+      </a:lightRig>
+    </dgm:scene3d>
+    <dgm:sp3d contourW="19050" prstMaterial="metal">
+      <a:bevelT w="88900" h="203200"/>
+      <a:bevelB w="165100" h="254000"/>
+    </dgm:sp3d>
+    <dgm:txPr/>
+    <dgm:style>
+      <a:lnRef idx="0">
+        <a:scrgbClr r="0" g="0" b="0"/>
+      </a:lnRef>
+      <a:fillRef idx="1">
+        <a:scrgbClr r="0" g="0" b="0"/>
+      </a:fillRef>
+      <a:effectRef idx="1">
+        <a:scrgbClr r="0" g="0" b="0"/>
+      </a:effectRef>
+      <a:fontRef idx="minor">
+        <a:schemeClr val="lt1"/>
+      </a:fontRef>
+    </dgm:style>
+  </dgm:styleLbl>
+  <dgm:styleLbl name="asst4">
+    <dgm:scene3d>
+      <a:camera prst="orthographicFront"/>
+      <a:lightRig rig="threePt" dir="t"/>
+    </dgm:scene3d>
+    <dgm:sp3d contourW="19050" prstMaterial="metal">
+      <a:bevelT w="88900" h="203200"/>
+      <a:bevelB w="165100" h="254000"/>
+    </dgm:sp3d>
+    <dgm:txPr/>
+    <dgm:style>
+      <a:lnRef idx="0">
+        <a:scrgbClr r="0" g="0" b="0"/>
+      </a:lnRef>
+      <a:fillRef idx="1">
+        <a:scrgbClr r="0" g="0" b="0"/>
+      </a:fillRef>
+      <a:effectRef idx="1">
+        <a:scrgbClr r="0" g="0" b="0"/>
+      </a:effectRef>
+      <a:fontRef idx="minor">
+        <a:schemeClr val="lt1"/>
+      </a:fontRef>
+    </dgm:style>
+  </dgm:styleLbl>
+  <dgm:styleLbl name="parChTrans2D1">
+    <dgm:scene3d>
+      <a:camera prst="orthographicFront">
+        <a:rot lat="0" lon="0" rev="0"/>
+      </a:camera>
+      <a:lightRig rig="contrasting" dir="t">
+        <a:rot lat="0" lon="0" rev="1200000"/>
+      </a:lightRig>
+    </dgm:scene3d>
+    <dgm:sp3d contourW="19050" prstMaterial="metal">
+      <a:bevelT w="88900" h="203200"/>
+      <a:bevelB w="165100" h="254000"/>
+    </dgm:sp3d>
+    <dgm:txPr/>
+    <dgm:style>
+      <a:lnRef idx="0">
+        <a:scrgbClr r="0" g="0" b="0"/>
+      </a:lnRef>
+      <a:fillRef idx="1">
+        <a:scrgbClr r="0" g="0" b="0"/>
+      </a:fillRef>
+      <a:effectRef idx="0">
+        <a:scrgbClr r="0" g="0" b="0"/>
+      </a:effectRef>
+      <a:fontRef idx="minor"/>
+    </dgm:style>
+  </dgm:styleLbl>
+  <dgm:styleLbl name="parChTrans2D2">
+    <dgm:scene3d>
+      <a:camera prst="orthographicFront">
+        <a:rot lat="0" lon="0" rev="0"/>
+      </a:camera>
+      <a:lightRig rig="contrasting" dir="t">
+        <a:rot lat="0" lon="0" rev="1200000"/>
+      </a:lightRig>
+    </dgm:scene3d>
+    <dgm:sp3d contourW="19050" prstMaterial="metal">
+      <a:bevelT w="88900" h="203200"/>
+      <a:bevelB w="165100" h="254000"/>
+    </dgm:sp3d>
+    <dgm:txPr/>
+    <dgm:style>
+      <a:lnRef idx="0">
+        <a:scrgbClr r="0" g="0" b="0"/>
+      </a:lnRef>
+      <a:fillRef idx="1">
+        <a:scrgbClr r="0" g="0" b="0"/>
+      </a:fillRef>
+      <a:effectRef idx="0">
+        <a:scrgbClr r="0" g="0" b="0"/>
+      </a:effectRef>
+      <a:fontRef idx="minor"/>
+    </dgm:style>
+  </dgm:styleLbl>
+  <dgm:styleLbl name="parChTrans2D3">
+    <dgm:scene3d>
+      <a:camera prst="orthographicFront">
+        <a:rot lat="0" lon="0" rev="0"/>
+      </a:camera>
+      <a:lightRig rig="contrasting" dir="t">
+        <a:rot lat="0" lon="0" rev="1200000"/>
+      </a:lightRig>
+    </dgm:scene3d>
+    <dgm:sp3d contourW="19050" prstMaterial="metal">
+      <a:bevelT w="88900" h="203200"/>
+      <a:bevelB w="165100" h="254000"/>
+    </dgm:sp3d>
+    <dgm:txPr/>
+    <dgm:style>
+      <a:lnRef idx="0">
+        <a:scrgbClr r="0" g="0" b="0"/>
+      </a:lnRef>
+      <a:fillRef idx="1">
+        <a:scrgbClr r="0" g="0" b="0"/>
+      </a:fillRef>
+      <a:effectRef idx="0">
+        <a:scrgbClr r="0" g="0" b="0"/>
+      </a:effectRef>
+      <a:fontRef idx="minor"/>
+    </dgm:style>
+  </dgm:styleLbl>
+  <dgm:styleLbl name="parChTrans2D4">
+    <dgm:scene3d>
+      <a:camera prst="orthographicFront">
+        <a:rot lat="0" lon="0" rev="0"/>
+      </a:camera>
+      <a:lightRig rig="contrasting" dir="t">
+        <a:rot lat="0" lon="0" rev="1200000"/>
+      </a:lightRig>
+    </dgm:scene3d>
+    <dgm:sp3d contourW="19050" prstMaterial="metal">
+      <a:bevelT w="88900" h="203200"/>
+      <a:bevelB w="165100" h="254000"/>
+    </dgm:sp3d>
+    <dgm:txPr/>
+    <dgm:style>
+      <a:lnRef idx="0">
+        <a:scrgbClr r="0" g="0" b="0"/>
+      </a:lnRef>
+      <a:fillRef idx="1">
+        <a:scrgbClr r="0" g="0" b="0"/>
+      </a:fillRef>
+      <a:effectRef idx="0">
+        <a:scrgbClr r="0" g="0" b="0"/>
+      </a:effectRef>
+      <a:fontRef idx="minor"/>
+    </dgm:style>
+  </dgm:styleLbl>
+  <dgm:styleLbl name="parChTrans1D1">
+    <dgm:scene3d>
+      <a:camera prst="orthographicFront">
+        <a:rot lat="0" lon="0" rev="0"/>
+      </a:camera>
+      <a:lightRig rig="contrasting" dir="t">
+        <a:rot lat="0" lon="0" rev="1200000"/>
+      </a:lightRig>
+    </dgm:scene3d>
+    <dgm:sp3d z="-110000"/>
+    <dgm:txPr/>
+    <dgm:style>
+      <a:lnRef idx="2">
+        <a:scrgbClr r="0" g="0" b="0"/>
+      </a:lnRef>
+      <a:fillRef idx="0">
+        <a:scrgbClr r="0" g="0" b="0"/>
+      </a:fillRef>
+      <a:effectRef idx="0">
+        <a:scrgbClr r="0" g="0" b="0"/>
+      </a:effectRef>
+      <a:fontRef idx="minor"/>
+    </dgm:style>
+  </dgm:styleLbl>
+  <dgm:styleLbl name="parChTrans1D2">
+    <dgm:scene3d>
+      <a:camera prst="orthographicFront">
+        <a:rot lat="0" lon="0" rev="0"/>
+      </a:camera>
+      <a:lightRig rig="contrasting" dir="t">
+        <a:rot lat="0" lon="0" rev="1200000"/>
+      </a:lightRig>
+    </dgm:scene3d>
+    <dgm:sp3d z="-110000"/>
+    <dgm:txPr/>
+    <dgm:style>
+      <a:lnRef idx="2">
+        <a:scrgbClr r="0" g="0" b="0"/>
+      </a:lnRef>
+      <a:fillRef idx="0">
+        <a:scrgbClr r="0" g="0" b="0"/>
+      </a:fillRef>
+      <a:effectRef idx="0">
+        <a:scrgbClr r="0" g="0" b="0"/>
+      </a:effectRef>
+      <a:fontRef idx="minor"/>
+    </dgm:style>
+  </dgm:styleLbl>
+  <dgm:styleLbl name="parChTrans1D3">
+    <dgm:scene3d>
+      <a:camera prst="orthographicFront">
+        <a:rot lat="0" lon="0" rev="0"/>
+      </a:camera>
+      <a:lightRig rig="contrasting" dir="t">
+        <a:rot lat="0" lon="0" rev="1200000"/>
+      </a:lightRig>
+    </dgm:scene3d>
+    <dgm:sp3d z="-110000"/>
+    <dgm:txPr/>
+    <dgm:style>
+      <a:lnRef idx="2">
+        <a:scrgbClr r="0" g="0" b="0"/>
+      </a:lnRef>
+      <a:fillRef idx="0">
+        <a:scrgbClr r="0" g="0" b="0"/>
+      </a:fillRef>
+      <a:effectRef idx="0">
+        <a:scrgbClr r="0" g="0" b="0"/>
+      </a:effectRef>
+      <a:fontRef idx="minor"/>
+    </dgm:style>
+  </dgm:styleLbl>
+  <dgm:styleLbl name="parChTrans1D4">
+    <dgm:scene3d>
+      <a:camera prst="orthographicFront">
+        <a:rot lat="0" lon="0" rev="0"/>
+      </a:camera>
+      <a:lightRig rig="contrasting" dir="t">
+        <a:rot lat="0" lon="0" rev="1200000"/>
+      </a:lightRig>
+    </dgm:scene3d>
+    <dgm:sp3d z="-110000"/>
+    <dgm:txPr/>
+    <dgm:style>
+      <a:lnRef idx="2">
+        <a:scrgbClr r="0" g="0" b="0"/>
+      </a:lnRef>
+      <a:fillRef idx="0">
+        <a:scrgbClr r="0" g="0" b="0"/>
+      </a:fillRef>
+      <a:effectRef idx="0">
+        <a:scrgbClr r="0" g="0" b="0"/>
+      </a:effectRef>
+      <a:fontRef idx="minor"/>
+    </dgm:style>
+  </dgm:styleLbl>
+  <dgm:styleLbl name="fgAcc1">
+    <dgm:scene3d>
+      <a:camera prst="orthographicFront">
+        <a:rot lat="0" lon="0" rev="0"/>
+      </a:camera>
+      <a:lightRig rig="contrasting" dir="t">
+        <a:rot lat="0" lon="0" rev="1200000"/>
+      </a:lightRig>
+    </dgm:scene3d>
+    <dgm:sp3d z="300000" contourW="19050" prstMaterial="metal">
+      <a:bevelT w="88900" h="203200"/>
+      <a:bevelB w="165100" h="254000"/>
+    </dgm:sp3d>
+    <dgm:txPr/>
+    <dgm:style>
+      <a:lnRef idx="0">
+        <a:scrgbClr r="0" g="0" b="0"/>
+      </a:lnRef>
+      <a:fillRef idx="1">
+        <a:scrgbClr r="0" g="0" b="0"/>
+      </a:fillRef>
+      <a:effectRef idx="0">
+        <a:scrgbClr r="0" g="0" b="0"/>
+      </a:effectRef>
+      <a:fontRef idx="minor"/>
+    </dgm:style>
+  </dgm:styleLbl>
+  <dgm:styleLbl name="conFgAcc1">
+    <dgm:scene3d>
+      <a:camera prst="orthographicFront">
+        <a:rot lat="0" lon="0" rev="0"/>
+      </a:camera>
+      <a:lightRig rig="contrasting" dir="t">
+        <a:rot lat="0" lon="0" rev="1200000"/>
+      </a:lightRig>
+    </dgm:scene3d>
+    <dgm:sp3d z="300000" contourW="19050" prstMaterial="metal">
+      <a:bevelT w="88900" h="203200"/>
+      <a:bevelB w="165100" h="254000"/>
+    </dgm:sp3d>
+    <dgm:txPr/>
+    <dgm:style>
+      <a:lnRef idx="0">
+        <a:scrgbClr r="0" g="0" b="0"/>
+      </a:lnRef>
+      <a:fillRef idx="1">
+        <a:scrgbClr r="0" g="0" b="0"/>
+      </a:fillRef>
+      <a:effectRef idx="0">
+        <a:scrgbClr r="0" g="0" b="0"/>
+      </a:effectRef>
+      <a:fontRef idx="minor"/>
+    </dgm:style>
+  </dgm:styleLbl>
+  <dgm:styleLbl name="alignAcc1">
+    <dgm:scene3d>
+      <a:camera prst="orthographicFront">
+        <a:rot lat="0" lon="0" rev="0"/>
+      </a:camera>
+      <a:lightRig rig="contrasting" dir="t">
+        <a:rot lat="0" lon="0" rev="1200000"/>
+      </a:lightRig>
+    </dgm:scene3d>
+    <dgm:sp3d contourW="19050" prstMaterial="metal">
+      <a:bevelT w="88900" h="203200"/>
+      <a:bevelB w="165100" h="254000"/>
+    </dgm:sp3d>
+    <dgm:txPr/>
+    <dgm:style>
+      <a:lnRef idx="0">
+        <a:scrgbClr r="0" g="0" b="0"/>
+      </a:lnRef>
+      <a:fillRef idx="1">
+        <a:scrgbClr r="0" g="0" b="0"/>
+      </a:fillRef>
+      <a:effectRef idx="0">
+        <a:scrgbClr r="0" g="0" b="0"/>
+      </a:effectRef>
+      <a:fontRef idx="minor"/>
+    </dgm:style>
+  </dgm:styleLbl>
+  <dgm:styleLbl name="trAlignAcc1">
+    <dgm:scene3d>
+      <a:camera prst="orthographicFront">
+        <a:rot lat="0" lon="0" rev="0"/>
+      </a:camera>
+      <a:lightRig rig="contrasting" dir="t">
+        <a:rot lat="0" lon="0" rev="1200000"/>
+      </a:lightRig>
+    </dgm:scene3d>
+    <dgm:sp3d contourW="19050" prstMaterial="metal">
+      <a:bevelT w="88900" h="203200"/>
+      <a:bevelB w="165100" h="254000"/>
+    </dgm:sp3d>
+    <dgm:txPr/>
+    <dgm:style>
+      <a:lnRef idx="0">
+        <a:scrgbClr r="0" g="0" b="0"/>
+      </a:lnRef>
+      <a:fillRef idx="1">
+        <a:scrgbClr r="0" g="0" b="0"/>
+      </a:fillRef>
+      <a:effectRef idx="1">
+        <a:scrgbClr r="0" g="0" b="0"/>
+      </a:effectRef>
+      <a:fontRef idx="minor"/>
+    </dgm:style>
+  </dgm:styleLbl>
+  <dgm:styleLbl name="bgAcc1">
+    <dgm:scene3d>
+      <a:camera prst="orthographicFront">
+        <a:rot lat="0" lon="0" rev="0"/>
+      </a:camera>
+      <a:lightRig rig="contrasting" dir="t">
+        <a:rot lat="0" lon="0" rev="1200000"/>
+      </a:lightRig>
+    </dgm:scene3d>
+    <dgm:sp3d z="-300000" contourW="19050" prstMaterial="metal">
+      <a:bevelT w="88900" h="203200"/>
+      <a:bevelB w="165100" h="254000"/>
+    </dgm:sp3d>
+    <dgm:txPr/>
+    <dgm:style>
+      <a:lnRef idx="0">
+        <a:scrgbClr r="0" g="0" b="0"/>
+      </a:lnRef>
+      <a:fillRef idx="1">
+        <a:scrgbClr r="0" g="0" b="0"/>
+      </a:fillRef>
+      <a:effectRef idx="0">
+        <a:scrgbClr r="0" g="0" b="0"/>
+      </a:effectRef>
+      <a:fontRef idx="minor"/>
+    </dgm:style>
+  </dgm:styleLbl>
+  <dgm:styleLbl name="solidFgAcc1">
+    <dgm:scene3d>
+      <a:camera prst="orthographicFront">
+        <a:rot lat="0" lon="0" rev="0"/>
+      </a:camera>
+      <a:lightRig rig="contrasting" dir="t">
+        <a:rot lat="0" lon="0" rev="1200000"/>
+      </a:lightRig>
+    </dgm:scene3d>
+    <dgm:sp3d z="300000" contourW="12700" prstMaterial="flat">
+      <a:bevelT w="177800" h="254000"/>
+      <a:bevelB w="152400"/>
+    </dgm:sp3d>
+    <dgm:txPr/>
+    <dgm:style>
+      <a:lnRef idx="0">
+        <a:scrgbClr r="0" g="0" b="0"/>
+      </a:lnRef>
+      <a:fillRef idx="1">
+        <a:scrgbClr r="0" g="0" b="0"/>
+      </a:fillRef>
+      <a:effectRef idx="0">
+        <a:scrgbClr r="0" g="0" b="0"/>
+      </a:effectRef>
+      <a:fontRef idx="minor"/>
+    </dgm:style>
+  </dgm:styleLbl>
+  <dgm:styleLbl name="solidAlignAcc1">
+    <dgm:scene3d>
+      <a:camera prst="orthographicFront">
+        <a:rot lat="0" lon="0" rev="0"/>
+      </a:camera>
+      <a:lightRig rig="contrasting" dir="t">
+        <a:rot lat="0" lon="0" rev="1200000"/>
+      </a:lightRig>
+    </dgm:scene3d>
+    <dgm:sp3d contourW="19050" prstMaterial="metal">
+      <a:bevelT w="88900" h="203200"/>
+      <a:bevelB w="165100" h="254000"/>
+    </dgm:sp3d>
+    <dgm:txPr/>
+    <dgm:style>
+      <a:lnRef idx="0">
+        <a:scrgbClr r="0" g="0" b="0"/>
+      </a:lnRef>
+      <a:fillRef idx="1">
+        <a:scrgbClr r="0" g="0" b="0"/>
+      </a:fillRef>
+      <a:effectRef idx="0">
+        <a:scrgbClr r="0" g="0" b="0"/>
+      </a:effectRef>
+      <a:fontRef idx="minor"/>
+    </dgm:style>
+  </dgm:styleLbl>
+  <dgm:styleLbl name="solidBgAcc1">
+    <dgm:scene3d>
+      <a:camera prst="orthographicFront">
+        <a:rot lat="0" lon="0" rev="0"/>
+      </a:camera>
+      <a:lightRig rig="contrasting" dir="t">
+        <a:rot lat="0" lon="0" rev="1200000"/>
+      </a:lightRig>
+    </dgm:scene3d>
+    <dgm:sp3d z="-300000" contourW="19050" prstMaterial="metal">
+      <a:bevelT w="88900" h="203200"/>
+      <a:bevelB w="165100" h="254000"/>
+    </dgm:sp3d>
+    <dgm:txPr/>
+    <dgm:style>
+      <a:lnRef idx="0">
+        <a:scrgbClr r="0" g="0" b="0"/>
+      </a:lnRef>
+      <a:fillRef idx="1">
+        <a:scrgbClr r="0" g="0" b="0"/>
+      </a:fillRef>
+      <a:effectRef idx="0">
+        <a:scrgbClr r="0" g="0" b="0"/>
+      </a:effectRef>
+      <a:fontRef idx="minor"/>
+    </dgm:style>
+  </dgm:styleLbl>
+  <dgm:styleLbl name="fgAccFollowNode1">
+    <dgm:scene3d>
+      <a:camera prst="orthographicFront">
+        <a:rot lat="0" lon="0" rev="0"/>
+      </a:camera>
+      <a:lightRig rig="contrasting" dir="t">
+        <a:rot lat="0" lon="0" rev="1200000"/>
+      </a:lightRig>
+    </dgm:scene3d>
+    <dgm:sp3d z="300000" contourW="19050" prstMaterial="metal">
+      <a:bevelT w="88900" h="203200"/>
+      <a:bevelB w="165100" h="254000"/>
+    </dgm:sp3d>
+    <dgm:txPr/>
+    <dgm:style>
+      <a:lnRef idx="0">
+        <a:scrgbClr r="0" g="0" b="0"/>
+      </a:lnRef>
+      <a:fillRef idx="1">
+        <a:scrgbClr r="0" g="0" b="0"/>
+      </a:fillRef>
+      <a:effectRef idx="0">
+        <a:scrgbClr r="0" g="0" b="0"/>
+      </a:effectRef>
+      <a:fontRef idx="minor"/>
+    </dgm:style>
+  </dgm:styleLbl>
+  <dgm:styleLbl name="alignAccFollowNode1">
+    <dgm:scene3d>
+      <a:camera prst="orthographicFront">
+        <a:rot lat="0" lon="0" rev="0"/>
+      </a:camera>
+      <a:lightRig rig="contrasting" dir="t">
+        <a:rot lat="0" lon="0" rev="1200000"/>
+      </a:lightRig>
+    </dgm:scene3d>
+    <dgm:sp3d contourW="19050" prstMaterial="metal">
+      <a:bevelT w="88900" h="203200"/>
+      <a:bevelB w="165100" h="254000"/>
+    </dgm:sp3d>
+    <dgm:txPr/>
+    <dgm:style>
+      <a:lnRef idx="0">
+        <a:scrgbClr r="0" g="0" b="0"/>
+      </a:lnRef>
+      <a:fillRef idx="1">
+        <a:scrgbClr r="0" g="0" b="0"/>
+      </a:fillRef>
+      <a:effectRef idx="0">
+        <a:scrgbClr r="0" g="0" b="0"/>
+      </a:effectRef>
+      <a:fontRef idx="minor"/>
+    </dgm:style>
+  </dgm:styleLbl>
+  <dgm:styleLbl name="bgAccFollowNode1">
+    <dgm:scene3d>
+      <a:camera prst="orthographicFront">
+        <a:rot lat="0" lon="0" rev="0"/>
+      </a:camera>
+      <a:lightRig rig="contrasting" dir="t">
+        <a:rot lat="0" lon="0" rev="1200000"/>
+      </a:lightRig>
+    </dgm:scene3d>
+    <dgm:sp3d z="-300000" contourW="19050" prstMaterial="metal">
+      <a:bevelT w="88900" h="203200"/>
+      <a:bevelB w="165100" h="254000"/>
+    </dgm:sp3d>
+    <dgm:txPr/>
+    <dgm:style>
+      <a:lnRef idx="0">
+        <a:scrgbClr r="0" g="0" b="0"/>
+      </a:lnRef>
+      <a:fillRef idx="1">
+        <a:scrgbClr r="0" g="0" b="0"/>
+      </a:fillRef>
+      <a:effectRef idx="0">
+        <a:scrgbClr r="0" g="0" b="0"/>
+      </a:effectRef>
+      <a:fontRef idx="minor"/>
+    </dgm:style>
+  </dgm:styleLbl>
+  <dgm:styleLbl name="fgAcc0">
+    <dgm:scene3d>
+      <a:camera prst="orthographicFront">
+        <a:rot lat="0" lon="0" rev="0"/>
+      </a:camera>
+      <a:lightRig rig="contrasting" dir="t">
+        <a:rot lat="0" lon="0" rev="1200000"/>
+      </a:lightRig>
+    </dgm:scene3d>
+    <dgm:sp3d z="300000" contourW="19050" prstMaterial="metal">
+      <a:bevelT w="88900" h="203200"/>
+      <a:bevelB w="165100" h="254000"/>
+    </dgm:sp3d>
+    <dgm:txPr/>
+    <dgm:style>
+      <a:lnRef idx="0">
+        <a:scrgbClr r="0" g="0" b="0"/>
+      </a:lnRef>
+      <a:fillRef idx="1">
+        <a:scrgbClr r="0" g="0" b="0"/>
+      </a:fillRef>
+      <a:effectRef idx="0">
+        <a:scrgbClr r="0" g="0" b="0"/>
+      </a:effectRef>
+      <a:fontRef idx="minor"/>
+    </dgm:style>
+  </dgm:styleLbl>
+  <dgm:styleLbl name="fgAcc2">
+    <dgm:scene3d>
+      <a:camera prst="orthographicFront">
+        <a:rot lat="0" lon="0" rev="0"/>
+      </a:camera>
+      <a:lightRig rig="contrasting" dir="t">
+        <a:rot lat="0" lon="0" rev="1200000"/>
+      </a:lightRig>
+    </dgm:scene3d>
+    <dgm:sp3d z="300000" contourW="19050" prstMaterial="metal">
+      <a:bevelT w="88900" h="203200"/>
+      <a:bevelB w="165100" h="254000"/>
+    </dgm:sp3d>
+    <dgm:txPr/>
+    <dgm:style>
+      <a:lnRef idx="0">
+        <a:scrgbClr r="0" g="0" b="0"/>
+      </a:lnRef>
+      <a:fillRef idx="1">
+        <a:scrgbClr r="0" g="0" b="0"/>
+      </a:fillRef>
+      <a:effectRef idx="0">
+        <a:scrgbClr r="0" g="0" b="0"/>
+      </a:effectRef>
+      <a:fontRef idx="minor"/>
+    </dgm:style>
+  </dgm:styleLbl>
+  <dgm:styleLbl name="fgAcc3">
+    <dgm:scene3d>
+      <a:camera prst="orthographicFront">
+        <a:rot lat="0" lon="0" rev="0"/>
+      </a:camera>
+      <a:lightRig rig="contrasting" dir="t">
+        <a:rot lat="0" lon="0" rev="1200000"/>
+      </a:lightRig>
+    </dgm:scene3d>
+    <dgm:sp3d z="300000" contourW="19050" prstMaterial="metal">
+      <a:bevelT w="88900" h="203200"/>
+      <a:bevelB w="165100" h="254000"/>
+    </dgm:sp3d>
+    <dgm:txPr/>
+    <dgm:style>
+      <a:lnRef idx="0">
+        <a:scrgbClr r="0" g="0" b="0"/>
+      </a:lnRef>
+      <a:fillRef idx="1">
+        <a:scrgbClr r="0" g="0" b="0"/>
+      </a:fillRef>
+      <a:effectRef idx="0">
+        <a:scrgbClr r="0" g="0" b="0"/>
+      </a:effectRef>
+      <a:fontRef idx="minor"/>
+    </dgm:style>
+  </dgm:styleLbl>
+  <dgm:styleLbl name="fgAcc4">
+    <dgm:scene3d>
+      <a:camera prst="orthographicFront">
+        <a:rot lat="0" lon="0" rev="0"/>
+      </a:camera>
+      <a:lightRig rig="contrasting" dir="t">
+        <a:rot lat="0" lon="0" rev="1200000"/>
+      </a:lightRig>
+    </dgm:scene3d>
+    <dgm:sp3d z="300000" contourW="19050" prstMaterial="metal">
+      <a:bevelT w="88900" h="203200"/>
+      <a:bevelB w="165100" h="254000"/>
+    </dgm:sp3d>
+    <dgm:txPr/>
+    <dgm:style>
+      <a:lnRef idx="0">
+        <a:scrgbClr r="0" g="0" b="0"/>
+      </a:lnRef>
+      <a:fillRef idx="1">
+        <a:scrgbClr r="0" g="0" b="0"/>
+      </a:fillRef>
+      <a:effectRef idx="0">
+        <a:scrgbClr r="0" g="0" b="0"/>
+      </a:effectRef>
+      <a:fontRef idx="minor"/>
+    </dgm:style>
+  </dgm:styleLbl>
+  <dgm:styleLbl name="bgShp">
+    <dgm:scene3d>
+      <a:camera prst="orthographicFront">
+        <a:rot lat="0" lon="0" rev="0"/>
+      </a:camera>
+      <a:lightRig rig="contrasting" dir="t">
+        <a:rot lat="0" lon="0" rev="1200000"/>
+      </a:lightRig>
+    </dgm:scene3d>
+    <dgm:sp3d z="-300000" prstMaterial="plastic"/>
+    <dgm:txPr/>
+    <dgm:style>
+      <a:lnRef idx="1">
+        <a:scrgbClr r="0" g="0" b="0"/>
+      </a:lnRef>
+      <a:fillRef idx="1">
+        <a:scrgbClr r="0" g="0" b="0"/>
+      </a:fillRef>
+      <a:effectRef idx="0">
+        <a:scrgbClr r="0" g="0" b="0"/>
+      </a:effectRef>
+      <a:fontRef idx="minor"/>
+    </dgm:style>
+  </dgm:styleLbl>
+  <dgm:styleLbl name="dkBgShp">
+    <dgm:scene3d>
+      <a:camera prst="orthographicFront">
+        <a:rot lat="0" lon="0" rev="0"/>
+      </a:camera>
+      <a:lightRig rig="contrasting" dir="t">
+        <a:rot lat="0" lon="0" rev="1200000"/>
+      </a:lightRig>
+    </dgm:scene3d>
+    <dgm:sp3d contourW="12700" prstMaterial="flat">
+      <a:bevelT w="100800" h="154000"/>
+      <a:bevelB w="152400"/>
+    </dgm:sp3d>
+    <dgm:txPr/>
+    <dgm:style>
+      <a:lnRef idx="0">
+        <a:scrgbClr r="0" g="0" b="0"/>
+      </a:lnRef>
+      <a:fillRef idx="1">
+        <a:scrgbClr r="0" g="0" b="0"/>
+      </a:fillRef>
+      <a:effectRef idx="0">
+        <a:scrgbClr r="0" g="0" b="0"/>
+      </a:effectRef>
+      <a:fontRef idx="minor"/>
+    </dgm:style>
+  </dgm:styleLbl>
+  <dgm:styleLbl name="trBgShp">
+    <dgm:scene3d>
+      <a:camera prst="orthographicFront">
+        <a:rot lat="0" lon="0" rev="0"/>
+      </a:camera>
+      <a:lightRig rig="contrasting" dir="t">
+        <a:rot lat="0" lon="0" rev="1200000"/>
+      </a:lightRig>
+    </dgm:scene3d>
+    <dgm:sp3d z="-152400" prstMaterial="matte"/>
+    <dgm:txPr/>
+    <dgm:style>
+      <a:lnRef idx="1">
+        <a:scrgbClr r="0" g="0" b="0"/>
+      </a:lnRef>
+      <a:fillRef idx="1">
+        <a:scrgbClr r="0" g="0" b="0"/>
+      </a:fillRef>
+      <a:effectRef idx="0">
+        <a:scrgbClr r="0" g="0" b="0"/>
+      </a:effectRef>
+      <a:fontRef idx="minor"/>
+    </dgm:style>
+  </dgm:styleLbl>
+  <dgm:styleLbl name="fgShp">
+    <dgm:scene3d>
+      <a:camera prst="orthographicFront">
+        <a:rot lat="0" lon="0" rev="0"/>
+      </a:camera>
+      <a:lightRig rig="contrasting" dir="t">
+        <a:rot lat="0" lon="0" rev="1200000"/>
+      </a:lightRig>
+    </dgm:scene3d>
+    <dgm:sp3d z="300000" contourW="19050" prstMaterial="metal">
+      <a:bevelT w="88900" h="203200"/>
+      <a:bevelB w="165100" h="254000"/>
+    </dgm:sp3d>
+    <dgm:txPr/>
+    <dgm:style>
+      <a:lnRef idx="0">
+        <a:scrgbClr r="0" g="0" b="0"/>
+      </a:lnRef>
+      <a:fillRef idx="1">
+        <a:scrgbClr r="0" g="0" b="0"/>
+      </a:fillRef>
+      <a:effectRef idx="0">
+        <a:scrgbClr r="0" g="0" b="0"/>
+      </a:effectRef>
+      <a:fontRef idx="minor"/>
+    </dgm:style>
+  </dgm:styleLbl>
+  <dgm:styleLbl name="revTx">
+    <dgm:scene3d>
+      <a:camera prst="orthographicFront"/>
+      <a:lightRig rig="threePt" dir="t"/>
+    </dgm:scene3d>
+    <dgm:sp3d/>
+    <dgm:txPr/>
+    <dgm:style>
+      <a:lnRef idx="1">
+        <a:scrgbClr r="0" g="0" b="0"/>
+      </a:lnRef>
+      <a:fillRef idx="0">
+        <a:scrgbClr r="0" g="0" b="0"/>
+      </a:fillRef>
+      <a:effectRef idx="0">
+        <a:scrgbClr r="0" g="0" b="0"/>
+      </a:effectRef>
+      <a:fontRef idx="minor"/>
+    </dgm:style>
+  </dgm:styleLbl>
+</dgm:styleDef>
+</file>
+
 <file path=ppt/handoutMasters/handoutMaster1.xml><?xml version="1.0" encoding="utf-8"?>
 <p:handoutMaster xmlns:a="http://schemas.openxmlformats.org/drawingml/2006/main" xmlns:r="http://schemas.openxmlformats.org/officeDocument/2006/relationships" xmlns:p="http://schemas.openxmlformats.org/presentationml/2006/main">
   <p:cSld>
@@ -329,7 +3443,7 @@
               <a:pPr>
                 <a:defRPr/>
               </a:pPr>
-              <a:t>1/27/2019</a:t>
+              <a:t>1/30/2026</a:t>
             </a:fld>
             <a:endParaRPr lang="en-US" dirty="0"/>
           </a:p>
@@ -541,7 +3655,7 @@
               <a:pPr>
                 <a:defRPr/>
               </a:pPr>
-              <a:t>1/27/2019</a:t>
+              <a:t>1/30/2026</a:t>
             </a:fld>
             <a:endParaRPr lang="en-US" dirty="0"/>
           </a:p>
@@ -3580,7 +6694,7 @@
               <a:pPr>
                 <a:defRPr/>
               </a:pPr>
-              <a:t>1/27/2019</a:t>
+              <a:t>1/30/2026</a:t>
             </a:fld>
             <a:endParaRPr lang="en-US" dirty="0"/>
           </a:p>
@@ -3770,7 +6884,7 @@
               <a:pPr>
                 <a:defRPr/>
               </a:pPr>
-              <a:t>1/27/2019</a:t>
+              <a:t>1/30/2026</a:t>
             </a:fld>
             <a:endParaRPr lang="en-US" dirty="0"/>
           </a:p>
@@ -3970,7 +7084,7 @@
               <a:pPr>
                 <a:defRPr/>
               </a:pPr>
-              <a:t>1/27/2019</a:t>
+              <a:t>1/30/2026</a:t>
             </a:fld>
             <a:endParaRPr lang="en-US" dirty="0"/>
           </a:p>
@@ -4238,7 +7352,7 @@
               <a:pPr>
                 <a:defRPr/>
               </a:pPr>
-              <a:t>1/27/2019</a:t>
+              <a:t>1/30/2026</a:t>
             </a:fld>
             <a:endParaRPr lang="en-US" dirty="0">
               <a:solidFill>
@@ -4452,7 +7566,7 @@
               <a:pPr>
                 <a:defRPr/>
               </a:pPr>
-              <a:t>1/27/2019</a:t>
+              <a:t>1/30/2026</a:t>
             </a:fld>
             <a:endParaRPr lang="en-US" dirty="0">
               <a:solidFill>
@@ -4743,7 +7857,7 @@
               <a:pPr>
                 <a:defRPr/>
               </a:pPr>
-              <a:t>1/27/2019</a:t>
+              <a:t>1/30/2026</a:t>
             </a:fld>
             <a:endParaRPr lang="en-US" dirty="0">
               <a:solidFill>
@@ -5074,7 +8188,7 @@
               <a:pPr>
                 <a:defRPr/>
               </a:pPr>
-              <a:t>1/27/2019</a:t>
+              <a:t>1/30/2026</a:t>
             </a:fld>
             <a:endParaRPr lang="en-US" dirty="0">
               <a:solidFill>
@@ -5539,7 +8653,7 @@
               <a:pPr>
                 <a:defRPr/>
               </a:pPr>
-              <a:t>1/27/2019</a:t>
+              <a:t>1/30/2026</a:t>
             </a:fld>
             <a:endParaRPr lang="en-US" dirty="0">
               <a:solidFill>
@@ -5702,7 +8816,7 @@
               <a:pPr>
                 <a:defRPr/>
               </a:pPr>
-              <a:t>1/27/2019</a:t>
+              <a:t>1/30/2026</a:t>
             </a:fld>
             <a:endParaRPr lang="en-US" dirty="0">
               <a:solidFill>
@@ -5843,7 +8957,7 @@
               <a:pPr>
                 <a:defRPr/>
               </a:pPr>
-              <a:t>1/27/2019</a:t>
+              <a:t>1/30/2026</a:t>
             </a:fld>
             <a:endParaRPr lang="en-US" dirty="0">
               <a:solidFill>
@@ -6164,7 +9278,7 @@
               <a:pPr>
                 <a:defRPr/>
               </a:pPr>
-              <a:t>1/27/2019</a:t>
+              <a:t>1/30/2026</a:t>
             </a:fld>
             <a:endParaRPr lang="en-US" dirty="0">
               <a:solidFill>
@@ -6372,7 +9486,7 @@
               <a:pPr>
                 <a:defRPr/>
               </a:pPr>
-              <a:t>1/27/2019</a:t>
+              <a:t>1/30/2026</a:t>
             </a:fld>
             <a:endParaRPr lang="en-US" dirty="0"/>
           </a:p>
@@ -6655,7 +9769,7 @@
               <a:pPr>
                 <a:defRPr/>
               </a:pPr>
-              <a:t>1/27/2019</a:t>
+              <a:t>1/30/2026</a:t>
             </a:fld>
             <a:endParaRPr lang="en-US" dirty="0">
               <a:solidFill>
@@ -6869,7 +9983,7 @@
               <a:pPr>
                 <a:defRPr/>
               </a:pPr>
-              <a:t>1/27/2019</a:t>
+              <a:t>1/30/2026</a:t>
             </a:fld>
             <a:endParaRPr lang="en-US" dirty="0">
               <a:solidFill>
@@ -7093,7 +10207,7 @@
               <a:pPr>
                 <a:defRPr/>
               </a:pPr>
-              <a:t>1/27/2019</a:t>
+              <a:t>1/30/2026</a:t>
             </a:fld>
             <a:endParaRPr lang="en-US" dirty="0">
               <a:solidFill>
@@ -7303,7 +10417,7 @@
               <a:pPr>
                 <a:defRPr/>
               </a:pPr>
-              <a:t>1/27/2019</a:t>
+              <a:t>1/30/2026</a:t>
             </a:fld>
             <a:endParaRPr lang="en-US" dirty="0">
               <a:solidFill>
@@ -7580,7 +10694,7 @@
               <a:pPr>
                 <a:defRPr/>
               </a:pPr>
-              <a:t>1/27/2019</a:t>
+              <a:t>1/30/2026</a:t>
             </a:fld>
             <a:endParaRPr lang="en-US" dirty="0"/>
           </a:p>
@@ -7887,7 +11001,7 @@
               <a:pPr>
                 <a:defRPr/>
               </a:pPr>
-              <a:t>1/27/2019</a:t>
+              <a:t>1/30/2026</a:t>
             </a:fld>
             <a:endParaRPr lang="en-US" dirty="0"/>
           </a:p>
@@ -8328,7 +11442,7 @@
               <a:pPr>
                 <a:defRPr/>
               </a:pPr>
-              <a:t>1/27/2019</a:t>
+              <a:t>1/30/2026</a:t>
             </a:fld>
             <a:endParaRPr lang="en-US" dirty="0"/>
           </a:p>
@@ -8467,7 +11581,7 @@
               <a:pPr>
                 <a:defRPr/>
               </a:pPr>
-              <a:t>1/27/2019</a:t>
+              <a:t>1/30/2026</a:t>
             </a:fld>
             <a:endParaRPr lang="en-US" dirty="0"/>
           </a:p>
@@ -8584,7 +11698,7 @@
               <a:pPr>
                 <a:defRPr/>
               </a:pPr>
-              <a:t>1/27/2019</a:t>
+              <a:t>1/30/2026</a:t>
             </a:fld>
             <a:endParaRPr lang="en-US" dirty="0"/>
           </a:p>
@@ -8881,7 +11995,7 @@
               <a:pPr>
                 <a:defRPr/>
               </a:pPr>
-              <a:t>1/27/2019</a:t>
+              <a:t>1/30/2026</a:t>
             </a:fld>
             <a:endParaRPr lang="en-US" dirty="0"/>
           </a:p>
@@ -9158,7 +12272,7 @@
               <a:pPr>
                 <a:defRPr/>
               </a:pPr>
-              <a:t>1/27/2019</a:t>
+              <a:t>1/30/2026</a:t>
             </a:fld>
             <a:endParaRPr lang="en-US" dirty="0"/>
           </a:p>
@@ -9415,7 +12529,7 @@
               <a:pPr>
                 <a:defRPr/>
               </a:pPr>
-              <a:t>1/27/2019</a:t>
+              <a:t>1/30/2026</a:t>
             </a:fld>
             <a:endParaRPr lang="en-US" dirty="0"/>
           </a:p>
@@ -10125,7 +13239,7 @@
               <a:pPr>
                 <a:defRPr/>
               </a:pPr>
-              <a:t>1/27/2019</a:t>
+              <a:t>1/30/2026</a:t>
             </a:fld>
             <a:endParaRPr lang="en-US" dirty="0">
               <a:solidFill>
@@ -15841,58 +18955,6 @@
       </p:sp>
       <p:sp>
         <p:nvSpPr>
-          <p:cNvPr id="24" name="Arrow: Right 23">
-            <a:extLst>
-              <a:ext uri="{FF2B5EF4-FFF2-40B4-BE49-F238E27FC236}">
-                <a16:creationId xmlns:a16="http://schemas.microsoft.com/office/drawing/2014/main" id="{5230E8AD-8F76-43F6-9DA5-66E3A07E28BE}"/>
-              </a:ext>
-            </a:extLst>
-          </p:cNvPr>
-          <p:cNvSpPr/>
-          <p:nvPr/>
-        </p:nvSpPr>
-        <p:spPr>
-          <a:xfrm rot="5400000">
-            <a:off x="5985160" y="4950223"/>
-            <a:ext cx="297878" cy="425896"/>
-          </a:xfrm>
-          <a:prstGeom prst="rightArrow">
-            <a:avLst/>
-          </a:prstGeom>
-          <a:solidFill>
-            <a:srgbClr val="404040"/>
-          </a:solidFill>
-          <a:ln>
-            <a:solidFill>
-              <a:srgbClr val="404040"/>
-            </a:solidFill>
-          </a:ln>
-        </p:spPr>
-        <p:style>
-          <a:lnRef idx="2">
-            <a:schemeClr val="dk1"/>
-          </a:lnRef>
-          <a:fillRef idx="1">
-            <a:schemeClr val="lt1"/>
-          </a:fillRef>
-          <a:effectRef idx="0">
-            <a:schemeClr val="dk1"/>
-          </a:effectRef>
-          <a:fontRef idx="minor">
-            <a:schemeClr val="dk1"/>
-          </a:fontRef>
-        </p:style>
-        <p:txBody>
-          <a:bodyPr rtlCol="0" anchor="ctr"/>
-          <a:lstStyle/>
-          <a:p>
-            <a:pPr algn="ctr"/>
-            <a:endParaRPr lang="en-US"/>
-          </a:p>
-        </p:txBody>
-      </p:sp>
-      <p:sp>
-        <p:nvSpPr>
           <p:cNvPr id="15" name="Rectangle 12">
             <a:extLst>
               <a:ext uri="{FF2B5EF4-FFF2-40B4-BE49-F238E27FC236}">
@@ -16183,64 +19245,40 @@
           </a:p>
         </p:txBody>
       </p:sp>
-      <p:sp>
-        <p:nvSpPr>
-          <p:cNvPr id="11" name="Arrow: Right 10">
+      <p:graphicFrame>
+        <p:nvGraphicFramePr>
+          <p:cNvPr id="3" name="Diagram 2">
             <a:extLst>
               <a:ext uri="{FF2B5EF4-FFF2-40B4-BE49-F238E27FC236}">
-                <a16:creationId xmlns:a16="http://schemas.microsoft.com/office/drawing/2014/main" id="{B94772A7-1D05-4306-8931-A8EDDE97EF1C}"/>
+                <a16:creationId xmlns:a16="http://schemas.microsoft.com/office/drawing/2014/main" id="{59A704E5-872A-8EE8-471D-F4707916A30B}"/>
               </a:ext>
             </a:extLst>
           </p:cNvPr>
-          <p:cNvSpPr/>
-          <p:nvPr/>
-        </p:nvSpPr>
-        <p:spPr>
-          <a:xfrm>
-            <a:off x="5968786" y="3124482"/>
-            <a:ext cx="508214" cy="312130"/>
-          </a:xfrm>
-          <a:prstGeom prst="rightArrow">
-            <a:avLst/>
-          </a:prstGeom>
-          <a:solidFill>
-            <a:srgbClr val="404040"/>
-          </a:solidFill>
-          <a:ln>
-            <a:solidFill>
-              <a:srgbClr val="404040"/>
-            </a:solidFill>
-          </a:ln>
-        </p:spPr>
-        <p:style>
-          <a:lnRef idx="2">
-            <a:schemeClr val="dk1"/>
-          </a:lnRef>
-          <a:fillRef idx="1">
-            <a:schemeClr val="lt1"/>
-          </a:fillRef>
-          <a:effectRef idx="0">
-            <a:schemeClr val="dk1"/>
-          </a:effectRef>
-          <a:fontRef idx="minor">
-            <a:schemeClr val="dk1"/>
-          </a:fontRef>
-        </p:style>
-        <p:txBody>
-          <a:bodyPr rtlCol="0" anchor="ctr"/>
-          <a:lstStyle/>
-          <a:p>
-            <a:pPr algn="ctr"/>
-            <a:endParaRPr lang="en-US"/>
-          </a:p>
-        </p:txBody>
-      </p:sp>
-      <p:sp>
-        <p:nvSpPr>
-          <p:cNvPr id="10" name="TextBox 9">
+          <p:cNvGraphicFramePr/>
+          <p:nvPr>
+            <p:extLst>
+              <p:ext uri="{D42A27DB-BD31-4B8C-83A1-F6EECF244321}">
+                <p14:modId xmlns:p14="http://schemas.microsoft.com/office/powerpoint/2010/main" val="34601163"/>
+              </p:ext>
+            </p:extLst>
+          </p:nvPr>
+        </p:nvGraphicFramePr>
+        <p:xfrm>
+          <a:off x="3782018" y="2286000"/>
+          <a:ext cx="4876800" cy="2743200"/>
+        </p:xfrm>
+        <a:graphic>
+          <a:graphicData uri="http://schemas.openxmlformats.org/drawingml/2006/diagram">
+            <dgm:relIds xmlns:dgm="http://schemas.openxmlformats.org/drawingml/2006/diagram" xmlns:r="http://schemas.openxmlformats.org/officeDocument/2006/relationships" r:dm="rId5" r:lo="rId6" r:qs="rId7" r:cs="rId8"/>
+          </a:graphicData>
+        </a:graphic>
+      </p:graphicFrame>
+      <p:sp>
+        <p:nvSpPr>
+          <p:cNvPr id="5" name="TextBox 4">
             <a:extLst>
               <a:ext uri="{FF2B5EF4-FFF2-40B4-BE49-F238E27FC236}">
-                <a16:creationId xmlns:a16="http://schemas.microsoft.com/office/drawing/2014/main" id="{0D62993A-DD69-4D89-B961-1E79B6B2D066}"/>
+                <a16:creationId xmlns:a16="http://schemas.microsoft.com/office/drawing/2014/main" id="{185B3673-8C18-DD2B-86B9-7C19BA17BB44}"/>
               </a:ext>
             </a:extLst>
           </p:cNvPr>
@@ -16249,484 +19287,27 @@
         </p:nvSpPr>
         <p:spPr>
           <a:xfrm>
-            <a:off x="5715000" y="2205335"/>
-            <a:ext cx="838200" cy="461665"/>
+            <a:off x="4724400" y="3017134"/>
+            <a:ext cx="1143000" cy="276999"/>
           </a:xfrm>
           <a:prstGeom prst="rect">
             <a:avLst/>
           </a:prstGeom>
-          <a:solidFill>
-            <a:srgbClr val="404040"/>
-          </a:solidFill>
+          <a:noFill/>
         </p:spPr>
-        <p:style>
-          <a:lnRef idx="3">
-            <a:schemeClr val="lt1"/>
-          </a:lnRef>
-          <a:fillRef idx="1">
-            <a:schemeClr val="dk1"/>
-          </a:fillRef>
-          <a:effectRef idx="1">
-            <a:schemeClr val="dk1"/>
-          </a:effectRef>
-          <a:fontRef idx="minor">
-            <a:schemeClr val="lt1"/>
-          </a:fontRef>
-        </p:style>
         <p:txBody>
           <a:bodyPr wrap="square" rtlCol="0">
             <a:spAutoFit/>
           </a:bodyPr>
           <a:lstStyle/>
           <a:p>
-            <a:pPr algn="ctr"/>
-            <a:r>
-              <a:rPr lang="en-US" dirty="0">
+            <a:r>
+              <a:rPr lang="en-US" sz="1200" dirty="0">
                 <a:solidFill>
-                  <a:schemeClr val="bg1"/>
+                  <a:srgbClr val="404040"/>
                 </a:solidFill>
               </a:rPr>
-              <a:t>Data</a:t>
-            </a:r>
-          </a:p>
-        </p:txBody>
-      </p:sp>
-      <p:sp>
-        <p:nvSpPr>
-          <p:cNvPr id="14" name="TextBox 13">
-            <a:extLst>
-              <a:ext uri="{FF2B5EF4-FFF2-40B4-BE49-F238E27FC236}">
-                <a16:creationId xmlns:a16="http://schemas.microsoft.com/office/drawing/2014/main" id="{6CDDE778-2871-4CD6-A2F3-24F7D09262F5}"/>
-              </a:ext>
-            </a:extLst>
-          </p:cNvPr>
-          <p:cNvSpPr txBox="1"/>
-          <p:nvPr/>
-        </p:nvSpPr>
-        <p:spPr>
-          <a:xfrm>
-            <a:off x="6553200" y="2901874"/>
-            <a:ext cx="1790700" cy="830997"/>
-          </a:xfrm>
-          <a:prstGeom prst="rect">
-            <a:avLst/>
-          </a:prstGeom>
-          <a:solidFill>
-            <a:srgbClr val="404040"/>
-          </a:solidFill>
-        </p:spPr>
-        <p:style>
-          <a:lnRef idx="3">
-            <a:schemeClr val="lt1"/>
-          </a:lnRef>
-          <a:fillRef idx="1">
-            <a:schemeClr val="dk1"/>
-          </a:fillRef>
-          <a:effectRef idx="1">
-            <a:schemeClr val="dk1"/>
-          </a:effectRef>
-          <a:fontRef idx="minor">
-            <a:schemeClr val="lt1"/>
-          </a:fontRef>
-        </p:style>
-        <p:txBody>
-          <a:bodyPr wrap="square" rtlCol="0">
-            <a:spAutoFit/>
-          </a:bodyPr>
-          <a:lstStyle/>
-          <a:p>
-            <a:pPr algn="ctr"/>
-            <a:r>
-              <a:rPr lang="en-US" dirty="0">
-                <a:solidFill>
-                  <a:schemeClr val="bg1"/>
-                </a:solidFill>
-              </a:rPr>
-              <a:t>Visualize Summarize</a:t>
-            </a:r>
-          </a:p>
-        </p:txBody>
-      </p:sp>
-      <p:sp>
-        <p:nvSpPr>
-          <p:cNvPr id="16" name="TextBox 15">
-            <a:extLst>
-              <a:ext uri="{FF2B5EF4-FFF2-40B4-BE49-F238E27FC236}">
-                <a16:creationId xmlns:a16="http://schemas.microsoft.com/office/drawing/2014/main" id="{4D9A7C38-2DC0-4DA9-AF0A-97B393E48E37}"/>
-              </a:ext>
-            </a:extLst>
-          </p:cNvPr>
-          <p:cNvSpPr txBox="1"/>
-          <p:nvPr/>
-        </p:nvSpPr>
-        <p:spPr>
-          <a:xfrm>
-            <a:off x="3924300" y="2900767"/>
-            <a:ext cx="1790700" cy="832104"/>
-          </a:xfrm>
-          <a:prstGeom prst="rect">
-            <a:avLst/>
-          </a:prstGeom>
-          <a:solidFill>
-            <a:srgbClr val="404040"/>
-          </a:solidFill>
-        </p:spPr>
-        <p:style>
-          <a:lnRef idx="3">
-            <a:schemeClr val="lt1"/>
-          </a:lnRef>
-          <a:fillRef idx="1">
-            <a:schemeClr val="dk1"/>
-          </a:fillRef>
-          <a:effectRef idx="1">
-            <a:schemeClr val="dk1"/>
-          </a:effectRef>
-          <a:fontRef idx="minor">
-            <a:schemeClr val="lt1"/>
-          </a:fontRef>
-        </p:style>
-        <p:txBody>
-          <a:bodyPr wrap="square" rtlCol="0" anchor="ctr">
-            <a:spAutoFit/>
-          </a:bodyPr>
-          <a:lstStyle/>
-          <a:p>
-            <a:pPr algn="ctr"/>
-            <a:r>
-              <a:rPr lang="en-US" dirty="0">
-                <a:solidFill>
-                  <a:schemeClr val="bg1"/>
-                </a:solidFill>
-              </a:rPr>
-              <a:t>Question</a:t>
-            </a:r>
-          </a:p>
-        </p:txBody>
-      </p:sp>
-      <p:sp>
-        <p:nvSpPr>
-          <p:cNvPr id="12" name="Arrow: Bent 11">
-            <a:extLst>
-              <a:ext uri="{FF2B5EF4-FFF2-40B4-BE49-F238E27FC236}">
-                <a16:creationId xmlns:a16="http://schemas.microsoft.com/office/drawing/2014/main" id="{28534295-256D-4E22-87AD-09F57304AADB}"/>
-              </a:ext>
-            </a:extLst>
-          </p:cNvPr>
-          <p:cNvSpPr/>
-          <p:nvPr/>
-        </p:nvSpPr>
-        <p:spPr>
-          <a:xfrm rot="16200000" flipH="1">
-            <a:off x="4978165" y="2182402"/>
-            <a:ext cx="368640" cy="876170"/>
-          </a:xfrm>
-          <a:prstGeom prst="bentArrow">
-            <a:avLst/>
-          </a:prstGeom>
-          <a:solidFill>
-            <a:srgbClr val="404040"/>
-          </a:solidFill>
-          <a:ln>
-            <a:solidFill>
-              <a:srgbClr val="404040"/>
-            </a:solidFill>
-          </a:ln>
-        </p:spPr>
-        <p:style>
-          <a:lnRef idx="2">
-            <a:schemeClr val="dk1"/>
-          </a:lnRef>
-          <a:fillRef idx="1">
-            <a:schemeClr val="lt1"/>
-          </a:fillRef>
-          <a:effectRef idx="0">
-            <a:schemeClr val="dk1"/>
-          </a:effectRef>
-          <a:fontRef idx="minor">
-            <a:schemeClr val="dk1"/>
-          </a:fontRef>
-        </p:style>
-        <p:txBody>
-          <a:bodyPr rtlCol="0" anchor="ctr"/>
-          <a:lstStyle/>
-          <a:p>
-            <a:pPr algn="ctr"/>
-            <a:endParaRPr lang="en-US">
-              <a:solidFill>
-                <a:schemeClr val="tx1"/>
-              </a:solidFill>
-            </a:endParaRPr>
-          </a:p>
-        </p:txBody>
-      </p:sp>
-      <p:sp>
-        <p:nvSpPr>
-          <p:cNvPr id="18" name="Arrow: Right 17">
-            <a:extLst>
-              <a:ext uri="{FF2B5EF4-FFF2-40B4-BE49-F238E27FC236}">
-                <a16:creationId xmlns:a16="http://schemas.microsoft.com/office/drawing/2014/main" id="{15FC01B8-E5FF-44C4-BAA1-386B2373D5D8}"/>
-              </a:ext>
-            </a:extLst>
-          </p:cNvPr>
-          <p:cNvSpPr/>
-          <p:nvPr/>
-        </p:nvSpPr>
-        <p:spPr>
-          <a:xfrm rot="10800000">
-            <a:off x="5791200" y="3124479"/>
-            <a:ext cx="508214" cy="312130"/>
-          </a:xfrm>
-          <a:prstGeom prst="rightArrow">
-            <a:avLst/>
-          </a:prstGeom>
-          <a:solidFill>
-            <a:srgbClr val="404040"/>
-          </a:solidFill>
-          <a:ln>
-            <a:solidFill>
-              <a:srgbClr val="404040"/>
-            </a:solidFill>
-          </a:ln>
-        </p:spPr>
-        <p:style>
-          <a:lnRef idx="2">
-            <a:schemeClr val="dk1"/>
-          </a:lnRef>
-          <a:fillRef idx="1">
-            <a:schemeClr val="lt1"/>
-          </a:fillRef>
-          <a:effectRef idx="0">
-            <a:schemeClr val="dk1"/>
-          </a:effectRef>
-          <a:fontRef idx="minor">
-            <a:schemeClr val="dk1"/>
-          </a:fontRef>
-        </p:style>
-        <p:txBody>
-          <a:bodyPr rtlCol="0" anchor="ctr"/>
-          <a:lstStyle/>
-          <a:p>
-            <a:pPr algn="ctr"/>
-            <a:endParaRPr lang="en-US"/>
-          </a:p>
-        </p:txBody>
-      </p:sp>
-      <p:sp>
-        <p:nvSpPr>
-          <p:cNvPr id="19" name="Arrow: Bent 18">
-            <a:extLst>
-              <a:ext uri="{FF2B5EF4-FFF2-40B4-BE49-F238E27FC236}">
-                <a16:creationId xmlns:a16="http://schemas.microsoft.com/office/drawing/2014/main" id="{3949D8AA-764D-42A2-ACF7-E39CAD2E7A84}"/>
-              </a:ext>
-            </a:extLst>
-          </p:cNvPr>
-          <p:cNvSpPr/>
-          <p:nvPr/>
-        </p:nvSpPr>
-        <p:spPr>
-          <a:xfrm rot="5400000">
-            <a:off x="6921395" y="2162032"/>
-            <a:ext cx="368640" cy="876170"/>
-          </a:xfrm>
-          <a:prstGeom prst="bentArrow">
-            <a:avLst/>
-          </a:prstGeom>
-          <a:solidFill>
-            <a:srgbClr val="404040"/>
-          </a:solidFill>
-          <a:ln>
-            <a:solidFill>
-              <a:srgbClr val="404040"/>
-            </a:solidFill>
-          </a:ln>
-        </p:spPr>
-        <p:style>
-          <a:lnRef idx="2">
-            <a:schemeClr val="dk1"/>
-          </a:lnRef>
-          <a:fillRef idx="1">
-            <a:schemeClr val="lt1"/>
-          </a:fillRef>
-          <a:effectRef idx="0">
-            <a:schemeClr val="dk1"/>
-          </a:effectRef>
-          <a:fontRef idx="minor">
-            <a:schemeClr val="dk1"/>
-          </a:fontRef>
-        </p:style>
-        <p:txBody>
-          <a:bodyPr rtlCol="0" anchor="ctr"/>
-          <a:lstStyle/>
-          <a:p>
-            <a:pPr algn="ctr"/>
-            <a:endParaRPr lang="en-US">
-              <a:solidFill>
-                <a:schemeClr val="tx1"/>
-              </a:solidFill>
-            </a:endParaRPr>
-          </a:p>
-        </p:txBody>
-      </p:sp>
-      <p:sp>
-        <p:nvSpPr>
-          <p:cNvPr id="22" name="Arrow: Right 21">
-            <a:extLst>
-              <a:ext uri="{FF2B5EF4-FFF2-40B4-BE49-F238E27FC236}">
-                <a16:creationId xmlns:a16="http://schemas.microsoft.com/office/drawing/2014/main" id="{7E1A448E-894D-4B7E-B4D5-73C1DF144736}"/>
-              </a:ext>
-            </a:extLst>
-          </p:cNvPr>
-          <p:cNvSpPr/>
-          <p:nvPr/>
-        </p:nvSpPr>
-        <p:spPr>
-          <a:xfrm rot="5400000">
-            <a:off x="5640769" y="3637125"/>
-            <a:ext cx="986660" cy="425896"/>
-          </a:xfrm>
-          <a:prstGeom prst="rightArrow">
-            <a:avLst/>
-          </a:prstGeom>
-          <a:solidFill>
-            <a:srgbClr val="404040"/>
-          </a:solidFill>
-          <a:ln>
-            <a:solidFill>
-              <a:srgbClr val="404040"/>
-            </a:solidFill>
-          </a:ln>
-        </p:spPr>
-        <p:style>
-          <a:lnRef idx="2">
-            <a:schemeClr val="dk1"/>
-          </a:lnRef>
-          <a:fillRef idx="1">
-            <a:schemeClr val="lt1"/>
-          </a:fillRef>
-          <a:effectRef idx="0">
-            <a:schemeClr val="dk1"/>
-          </a:effectRef>
-          <a:fontRef idx="minor">
-            <a:schemeClr val="dk1"/>
-          </a:fontRef>
-        </p:style>
-        <p:txBody>
-          <a:bodyPr rtlCol="0" anchor="ctr"/>
-          <a:lstStyle/>
-          <a:p>
-            <a:pPr algn="ctr"/>
-            <a:endParaRPr lang="en-US"/>
-          </a:p>
-        </p:txBody>
-      </p:sp>
-      <p:sp>
-        <p:nvSpPr>
-          <p:cNvPr id="23" name="TextBox 22">
-            <a:extLst>
-              <a:ext uri="{FF2B5EF4-FFF2-40B4-BE49-F238E27FC236}">
-                <a16:creationId xmlns:a16="http://schemas.microsoft.com/office/drawing/2014/main" id="{6D8A4343-3A50-4EF3-BE1D-E43A0F9192A7}"/>
-              </a:ext>
-            </a:extLst>
-          </p:cNvPr>
-          <p:cNvSpPr txBox="1"/>
-          <p:nvPr/>
-        </p:nvSpPr>
-        <p:spPr>
-          <a:xfrm>
-            <a:off x="5595120" y="4449076"/>
-            <a:ext cx="1077961" cy="461665"/>
-          </a:xfrm>
-          <a:prstGeom prst="rect">
-            <a:avLst/>
-          </a:prstGeom>
-          <a:solidFill>
-            <a:srgbClr val="404040"/>
-          </a:solidFill>
-        </p:spPr>
-        <p:style>
-          <a:lnRef idx="3">
-            <a:schemeClr val="lt1"/>
-          </a:lnRef>
-          <a:fillRef idx="1">
-            <a:schemeClr val="dk1"/>
-          </a:fillRef>
-          <a:effectRef idx="1">
-            <a:schemeClr val="dk1"/>
-          </a:effectRef>
-          <a:fontRef idx="minor">
-            <a:schemeClr val="lt1"/>
-          </a:fontRef>
-        </p:style>
-        <p:txBody>
-          <a:bodyPr wrap="square" rtlCol="0">
-            <a:spAutoFit/>
-          </a:bodyPr>
-          <a:lstStyle/>
-          <a:p>
-            <a:pPr algn="ctr"/>
-            <a:r>
-              <a:rPr lang="en-US" dirty="0">
-                <a:solidFill>
-                  <a:schemeClr val="bg1"/>
-                </a:solidFill>
-              </a:rPr>
-              <a:t>Model</a:t>
-            </a:r>
-          </a:p>
-        </p:txBody>
-      </p:sp>
-      <p:sp>
-        <p:nvSpPr>
-          <p:cNvPr id="25" name="TextBox 24">
-            <a:extLst>
-              <a:ext uri="{FF2B5EF4-FFF2-40B4-BE49-F238E27FC236}">
-                <a16:creationId xmlns:a16="http://schemas.microsoft.com/office/drawing/2014/main" id="{9DF86A32-10CA-4F7C-AE6C-D82C5AC822E6}"/>
-              </a:ext>
-            </a:extLst>
-          </p:cNvPr>
-          <p:cNvSpPr txBox="1"/>
-          <p:nvPr/>
-        </p:nvSpPr>
-        <p:spPr>
-          <a:xfrm>
-            <a:off x="5709549" y="5415601"/>
-            <a:ext cx="838200" cy="461665"/>
-          </a:xfrm>
-          <a:prstGeom prst="rect">
-            <a:avLst/>
-          </a:prstGeom>
-          <a:solidFill>
-            <a:srgbClr val="404040"/>
-          </a:solidFill>
-        </p:spPr>
-        <p:style>
-          <a:lnRef idx="3">
-            <a:schemeClr val="lt1"/>
-          </a:lnRef>
-          <a:fillRef idx="1">
-            <a:schemeClr val="dk1"/>
-          </a:fillRef>
-          <a:effectRef idx="1">
-            <a:schemeClr val="dk1"/>
-          </a:effectRef>
-          <a:fontRef idx="minor">
-            <a:schemeClr val="lt1"/>
-          </a:fontRef>
-        </p:style>
-        <p:txBody>
-          <a:bodyPr wrap="square" rtlCol="0">
-            <a:spAutoFit/>
-          </a:bodyPr>
-          <a:lstStyle/>
-          <a:p>
-            <a:pPr algn="ctr"/>
-            <a:r>
-              <a:rPr lang="en-US" dirty="0">
-                <a:solidFill>
-                  <a:schemeClr val="bg1"/>
-                </a:solidFill>
-              </a:rPr>
-              <a:t>Data</a:t>
+              <a:t>Refine</a:t>
             </a:r>
           </a:p>
         </p:txBody>
